--- a/plan_overview.pptx
+++ b/plan_overview.pptx
@@ -104,6 +104,11 @@
       </a:defRPr>
     </a:lvl9pPr>
   </p:defaultTextStyle>
+  <p:extLst>
+    <p:ext uri="{EFAFB233-063F-42B5-8137-9DF3F51BA10A}">
+      <p15:sldGuideLst xmlns:p15="http://schemas.microsoft.com/office/powerpoint/2012/main"/>
+    </p:ext>
+  </p:extLst>
 </p:presentation>
 </file>
 
@@ -3300,7 +3305,7 @@
         </p:nvSpPr>
         <p:spPr>
           <a:xfrm>
-            <a:off x="7153774" y="1338324"/>
+            <a:off x="7153773" y="1024355"/>
             <a:ext cx="694421" cy="300082"/>
           </a:xfrm>
           <a:prstGeom prst="rect">
@@ -3340,7 +3345,7 @@
         </p:nvSpPr>
         <p:spPr>
           <a:xfrm>
-            <a:off x="7153774" y="1045429"/>
+            <a:off x="7153773" y="1315241"/>
             <a:ext cx="993605" cy="300082"/>
           </a:xfrm>
           <a:prstGeom prst="rect">

--- a/plan_overview.pptx
+++ b/plan_overview.pptx
@@ -243,7 +243,7 @@
           <a:p>
             <a:fld id="{320965FB-FE1C-4DA5-BFA1-80A1042A565F}" type="datetimeFigureOut">
               <a:rPr lang="en-US" smtClean="0"/>
-              <a:t>10/27/2021</a:t>
+              <a:t>11/4/2021</a:t>
             </a:fld>
             <a:endParaRPr lang="en-US"/>
           </a:p>
@@ -413,7 +413,7 @@
           <a:p>
             <a:fld id="{320965FB-FE1C-4DA5-BFA1-80A1042A565F}" type="datetimeFigureOut">
               <a:rPr lang="en-US" smtClean="0"/>
-              <a:t>10/27/2021</a:t>
+              <a:t>11/4/2021</a:t>
             </a:fld>
             <a:endParaRPr lang="en-US"/>
           </a:p>
@@ -593,7 +593,7 @@
           <a:p>
             <a:fld id="{320965FB-FE1C-4DA5-BFA1-80A1042A565F}" type="datetimeFigureOut">
               <a:rPr lang="en-US" smtClean="0"/>
-              <a:t>10/27/2021</a:t>
+              <a:t>11/4/2021</a:t>
             </a:fld>
             <a:endParaRPr lang="en-US"/>
           </a:p>
@@ -763,7 +763,7 @@
           <a:p>
             <a:fld id="{320965FB-FE1C-4DA5-BFA1-80A1042A565F}" type="datetimeFigureOut">
               <a:rPr lang="en-US" smtClean="0"/>
-              <a:t>10/27/2021</a:t>
+              <a:t>11/4/2021</a:t>
             </a:fld>
             <a:endParaRPr lang="en-US"/>
           </a:p>
@@ -1007,7 +1007,7 @@
           <a:p>
             <a:fld id="{320965FB-FE1C-4DA5-BFA1-80A1042A565F}" type="datetimeFigureOut">
               <a:rPr lang="en-US" smtClean="0"/>
-              <a:t>10/27/2021</a:t>
+              <a:t>11/4/2021</a:t>
             </a:fld>
             <a:endParaRPr lang="en-US"/>
           </a:p>
@@ -1239,7 +1239,7 @@
           <a:p>
             <a:fld id="{320965FB-FE1C-4DA5-BFA1-80A1042A565F}" type="datetimeFigureOut">
               <a:rPr lang="en-US" smtClean="0"/>
-              <a:t>10/27/2021</a:t>
+              <a:t>11/4/2021</a:t>
             </a:fld>
             <a:endParaRPr lang="en-US"/>
           </a:p>
@@ -1606,7 +1606,7 @@
           <a:p>
             <a:fld id="{320965FB-FE1C-4DA5-BFA1-80A1042A565F}" type="datetimeFigureOut">
               <a:rPr lang="en-US" smtClean="0"/>
-              <a:t>10/27/2021</a:t>
+              <a:t>11/4/2021</a:t>
             </a:fld>
             <a:endParaRPr lang="en-US"/>
           </a:p>
@@ -1724,7 +1724,7 @@
           <a:p>
             <a:fld id="{320965FB-FE1C-4DA5-BFA1-80A1042A565F}" type="datetimeFigureOut">
               <a:rPr lang="en-US" smtClean="0"/>
-              <a:t>10/27/2021</a:t>
+              <a:t>11/4/2021</a:t>
             </a:fld>
             <a:endParaRPr lang="en-US"/>
           </a:p>
@@ -1819,7 +1819,7 @@
           <a:p>
             <a:fld id="{320965FB-FE1C-4DA5-BFA1-80A1042A565F}" type="datetimeFigureOut">
               <a:rPr lang="en-US" smtClean="0"/>
-              <a:t>10/27/2021</a:t>
+              <a:t>11/4/2021</a:t>
             </a:fld>
             <a:endParaRPr lang="en-US"/>
           </a:p>
@@ -2096,7 +2096,7 @@
           <a:p>
             <a:fld id="{320965FB-FE1C-4DA5-BFA1-80A1042A565F}" type="datetimeFigureOut">
               <a:rPr lang="en-US" smtClean="0"/>
-              <a:t>10/27/2021</a:t>
+              <a:t>11/4/2021</a:t>
             </a:fld>
             <a:endParaRPr lang="en-US"/>
           </a:p>
@@ -2353,7 +2353,7 @@
           <a:p>
             <a:fld id="{320965FB-FE1C-4DA5-BFA1-80A1042A565F}" type="datetimeFigureOut">
               <a:rPr lang="en-US" smtClean="0"/>
-              <a:t>10/27/2021</a:t>
+              <a:t>11/4/2021</a:t>
             </a:fld>
             <a:endParaRPr lang="en-US"/>
           </a:p>
@@ -2566,7 +2566,7 @@
           <a:p>
             <a:fld id="{320965FB-FE1C-4DA5-BFA1-80A1042A565F}" type="datetimeFigureOut">
               <a:rPr lang="en-US" smtClean="0"/>
-              <a:t>10/27/2021</a:t>
+              <a:t>11/4/2021</a:t>
             </a:fld>
             <a:endParaRPr lang="en-US"/>
           </a:p>
@@ -2985,7 +2985,7 @@
         </p:nvSpPr>
         <p:spPr>
           <a:xfrm>
-            <a:off x="690233" y="1403256"/>
+            <a:off x="683827" y="1403256"/>
             <a:ext cx="1044004" cy="300082"/>
           </a:xfrm>
           <a:prstGeom prst="rect">
@@ -3025,7 +3025,7 @@
         </p:nvSpPr>
         <p:spPr>
           <a:xfrm>
-            <a:off x="436491" y="2121482"/>
+            <a:off x="442896" y="2121482"/>
             <a:ext cx="1525867" cy="300082"/>
           </a:xfrm>
           <a:prstGeom prst="rect">
@@ -3105,7 +3105,7 @@
         </p:nvSpPr>
         <p:spPr>
           <a:xfrm>
-            <a:off x="2473120" y="1647114"/>
+            <a:off x="2473120" y="1645407"/>
             <a:ext cx="1089081" cy="300082"/>
           </a:xfrm>
           <a:prstGeom prst="rect">
@@ -3173,10 +3173,10 @@
       </p:sp>
       <p:sp>
         <p:nvSpPr>
-          <p:cNvPr id="9" name="TextBox 8">
+          <p:cNvPr id="10" name="TextBox 9">
             <a:extLst>
               <a:ext uri="{FF2B5EF4-FFF2-40B4-BE49-F238E27FC236}">
-                <a16:creationId xmlns:a16="http://schemas.microsoft.com/office/drawing/2014/main" id="{0AD23232-F336-46E1-AF9E-C6CE9B1A65AB}"/>
+                <a16:creationId xmlns:a16="http://schemas.microsoft.com/office/drawing/2014/main" id="{A0FCAC26-BD9F-4DF4-9676-7BE1D1466BC6}"/>
               </a:ext>
             </a:extLst>
           </p:cNvPr>
@@ -3185,8 +3185,8 @@
         </p:nvSpPr>
         <p:spPr>
           <a:xfrm>
-            <a:off x="3995963" y="1228024"/>
-            <a:ext cx="1359668" cy="300082"/>
+            <a:off x="3980040" y="1645407"/>
+            <a:ext cx="1281376" cy="300082"/>
           </a:xfrm>
           <a:prstGeom prst="rect">
             <a:avLst/>
@@ -3206,17 +3206,17 @@
           <a:p>
             <a:r>
               <a:rPr lang="en-US" sz="1350" dirty="0"/>
-              <a:t>10-Eso_Endo_Rx</a:t>
-            </a:r>
-          </a:p>
-        </p:txBody>
-      </p:sp>
-      <p:sp>
-        <p:nvSpPr>
-          <p:cNvPr id="10" name="TextBox 9">
+              <a:t>12-Eso_Surgery</a:t>
+            </a:r>
+          </a:p>
+        </p:txBody>
+      </p:sp>
+      <p:sp>
+        <p:nvSpPr>
+          <p:cNvPr id="11" name="TextBox 10">
             <a:extLst>
               <a:ext uri="{FF2B5EF4-FFF2-40B4-BE49-F238E27FC236}">
-                <a16:creationId xmlns:a16="http://schemas.microsoft.com/office/drawing/2014/main" id="{A0FCAC26-BD9F-4DF4-9676-7BE1D1466BC6}"/>
+                <a16:creationId xmlns:a16="http://schemas.microsoft.com/office/drawing/2014/main" id="{D0AD4664-4D8E-4A86-ACC7-208973955CA6}"/>
               </a:ext>
             </a:extLst>
           </p:cNvPr>
@@ -3225,8 +3225,8 @@
         </p:nvSpPr>
         <p:spPr>
           <a:xfrm>
-            <a:off x="4010707" y="1870213"/>
-            <a:ext cx="1281376" cy="300082"/>
+            <a:off x="7153774" y="1631218"/>
+            <a:ext cx="982257" cy="300082"/>
           </a:xfrm>
           <a:prstGeom prst="rect">
             <a:avLst/>
@@ -3246,17 +3246,17 @@
           <a:p>
             <a:r>
               <a:rPr lang="en-US" sz="1350" dirty="0"/>
-              <a:t>12-Eso_Surgery</a:t>
-            </a:r>
-          </a:p>
-        </p:txBody>
-      </p:sp>
-      <p:sp>
-        <p:nvSpPr>
-          <p:cNvPr id="11" name="TextBox 10">
+              <a:t>34-Exercise</a:t>
+            </a:r>
+          </a:p>
+        </p:txBody>
+      </p:sp>
+      <p:sp>
+        <p:nvSpPr>
+          <p:cNvPr id="12" name="TextBox 11">
             <a:extLst>
               <a:ext uri="{FF2B5EF4-FFF2-40B4-BE49-F238E27FC236}">
-                <a16:creationId xmlns:a16="http://schemas.microsoft.com/office/drawing/2014/main" id="{D0AD4664-4D8E-4A86-ACC7-208973955CA6}"/>
+                <a16:creationId xmlns:a16="http://schemas.microsoft.com/office/drawing/2014/main" id="{35E0A542-1E48-4B6B-92FD-87186F7B6984}"/>
               </a:ext>
             </a:extLst>
           </p:cNvPr>
@@ -3265,8 +3265,8 @@
         </p:nvSpPr>
         <p:spPr>
           <a:xfrm>
-            <a:off x="7153774" y="1631218"/>
-            <a:ext cx="982257" cy="300082"/>
+            <a:off x="7153773" y="1024355"/>
+            <a:ext cx="694421" cy="300082"/>
           </a:xfrm>
           <a:prstGeom prst="rect">
             <a:avLst/>
@@ -3286,17 +3286,17 @@
           <a:p>
             <a:r>
               <a:rPr lang="en-US" sz="1350" dirty="0"/>
-              <a:t>34-Exercise</a:t>
-            </a:r>
-          </a:p>
-        </p:txBody>
-      </p:sp>
-      <p:sp>
-        <p:nvSpPr>
-          <p:cNvPr id="12" name="TextBox 11">
+              <a:t>30-Risk</a:t>
+            </a:r>
+          </a:p>
+        </p:txBody>
+      </p:sp>
+      <p:sp>
+        <p:nvSpPr>
+          <p:cNvPr id="13" name="TextBox 12">
             <a:extLst>
               <a:ext uri="{FF2B5EF4-FFF2-40B4-BE49-F238E27FC236}">
-                <a16:creationId xmlns:a16="http://schemas.microsoft.com/office/drawing/2014/main" id="{35E0A542-1E48-4B6B-92FD-87186F7B6984}"/>
+                <a16:creationId xmlns:a16="http://schemas.microsoft.com/office/drawing/2014/main" id="{48E1C121-1ED9-49C9-AD50-939FC2470425}"/>
               </a:ext>
             </a:extLst>
           </p:cNvPr>
@@ -3305,8 +3305,8 @@
         </p:nvSpPr>
         <p:spPr>
           <a:xfrm>
-            <a:off x="7153773" y="1024355"/>
-            <a:ext cx="694421" cy="300082"/>
+            <a:off x="7153773" y="1315241"/>
+            <a:ext cx="993605" cy="300082"/>
           </a:xfrm>
           <a:prstGeom prst="rect">
             <a:avLst/>
@@ -3326,17 +3326,17 @@
           <a:p>
             <a:r>
               <a:rPr lang="en-US" sz="1350" dirty="0"/>
-              <a:t>30-Risk</a:t>
-            </a:r>
-          </a:p>
-        </p:txBody>
-      </p:sp>
-      <p:sp>
-        <p:nvSpPr>
-          <p:cNvPr id="13" name="TextBox 12">
+              <a:t>32-Surgeon</a:t>
+            </a:r>
+          </a:p>
+        </p:txBody>
+      </p:sp>
+      <p:sp>
+        <p:nvSpPr>
+          <p:cNvPr id="14" name="TextBox 13">
             <a:extLst>
               <a:ext uri="{FF2B5EF4-FFF2-40B4-BE49-F238E27FC236}">
-                <a16:creationId xmlns:a16="http://schemas.microsoft.com/office/drawing/2014/main" id="{48E1C121-1ED9-49C9-AD50-939FC2470425}"/>
+                <a16:creationId xmlns:a16="http://schemas.microsoft.com/office/drawing/2014/main" id="{DB1A7EDA-CFFB-4CA8-B281-97EAE7D23911}"/>
               </a:ext>
             </a:extLst>
           </p:cNvPr>
@@ -3345,8 +3345,8 @@
         </p:nvSpPr>
         <p:spPr>
           <a:xfrm>
-            <a:off x="7153773" y="1315241"/>
-            <a:ext cx="993605" cy="300082"/>
+            <a:off x="4042066" y="2782884"/>
+            <a:ext cx="2001702" cy="300082"/>
           </a:xfrm>
           <a:prstGeom prst="rect">
             <a:avLst/>
@@ -3365,88 +3365,12 @@
           <a:lstStyle/>
           <a:p>
             <a:r>
+              <a:rPr lang="en-US" sz="1350"/>
+              <a:t>13-Eso</a:t>
+            </a:r>
+            <a:r>
               <a:rPr lang="en-US" sz="1350" dirty="0"/>
-              <a:t>32-Surgeon</a:t>
-            </a:r>
-          </a:p>
-        </p:txBody>
-      </p:sp>
-      <p:sp>
-        <p:nvSpPr>
-          <p:cNvPr id="14" name="TextBox 13">
-            <a:extLst>
-              <a:ext uri="{FF2B5EF4-FFF2-40B4-BE49-F238E27FC236}">
-                <a16:creationId xmlns:a16="http://schemas.microsoft.com/office/drawing/2014/main" id="{DB1A7EDA-CFFB-4CA8-B281-97EAE7D23911}"/>
-              </a:ext>
-            </a:extLst>
-          </p:cNvPr>
-          <p:cNvSpPr txBox="1"/>
-          <p:nvPr/>
-        </p:nvSpPr>
-        <p:spPr>
-          <a:xfrm>
-            <a:off x="4042066" y="2782884"/>
-            <a:ext cx="915635" cy="300082"/>
-          </a:xfrm>
-          <a:prstGeom prst="rect">
-            <a:avLst/>
-          </a:prstGeom>
-          <a:noFill/>
-          <a:ln>
-            <a:solidFill>
-              <a:schemeClr val="accent1"/>
-            </a:solidFill>
-          </a:ln>
-        </p:spPr>
-        <p:txBody>
-          <a:bodyPr wrap="none" rtlCol="0">
-            <a:spAutoFit/>
-          </a:bodyPr>
-          <a:lstStyle/>
-          <a:p>
-            <a:r>
-              <a:rPr lang="en-US" sz="1350" dirty="0"/>
-              <a:t>14-Eso_LA</a:t>
-            </a:r>
-          </a:p>
-        </p:txBody>
-      </p:sp>
-      <p:sp>
-        <p:nvSpPr>
-          <p:cNvPr id="15" name="TextBox 14">
-            <a:extLst>
-              <a:ext uri="{FF2B5EF4-FFF2-40B4-BE49-F238E27FC236}">
-                <a16:creationId xmlns:a16="http://schemas.microsoft.com/office/drawing/2014/main" id="{21EE72B5-5E94-4018-9CF5-F274BC265948}"/>
-              </a:ext>
-            </a:extLst>
-          </p:cNvPr>
-          <p:cNvSpPr txBox="1"/>
-          <p:nvPr/>
-        </p:nvSpPr>
-        <p:spPr>
-          <a:xfrm>
-            <a:off x="6434886" y="5242677"/>
-            <a:ext cx="1028358" cy="300082"/>
-          </a:xfrm>
-          <a:prstGeom prst="rect">
-            <a:avLst/>
-          </a:prstGeom>
-          <a:noFill/>
-          <a:ln>
-            <a:solidFill>
-              <a:schemeClr val="accent1"/>
-            </a:solidFill>
-          </a:ln>
-        </p:spPr>
-        <p:txBody>
-          <a:bodyPr wrap="none" rtlCol="0">
-            <a:spAutoFit/>
-          </a:bodyPr>
-          <a:lstStyle/>
-          <a:p>
-            <a:r>
-              <a:rPr lang="en-US" sz="1350" dirty="0"/>
-              <a:t>20-Systemic</a:t>
+              <a:t>_Locally_Advanced</a:t>
             </a:r>
           </a:p>
         </p:txBody>
@@ -3714,7 +3638,7 @@
           </a:xfrm>
           <a:prstGeom prst="bentConnector3">
             <a:avLst>
-              <a:gd name="adj1" fmla="val 50000"/>
+              <a:gd name="adj1" fmla="val 54239"/>
             </a:avLst>
           </a:prstGeom>
           <a:ln>
@@ -3754,8 +3678,8 @@
         </p:nvCxnSpPr>
         <p:spPr>
           <a:xfrm flipV="1">
-            <a:off x="1983062" y="1797155"/>
-            <a:ext cx="490058" cy="1214788"/>
+            <a:off x="1983062" y="1795448"/>
+            <a:ext cx="490058" cy="1216495"/>
           </a:xfrm>
           <a:prstGeom prst="bentConnector3">
             <a:avLst/>
@@ -3779,136 +3703,6 @@
           </a:fontRef>
         </p:style>
       </p:cxnSp>
-      <p:cxnSp>
-        <p:nvCxnSpPr>
-          <p:cNvPr id="32" name="Connector: Elbow 31">
-            <a:extLst>
-              <a:ext uri="{FF2B5EF4-FFF2-40B4-BE49-F238E27FC236}">
-                <a16:creationId xmlns:a16="http://schemas.microsoft.com/office/drawing/2014/main" id="{A92A33D2-010D-43A0-A30E-B479C615F8B5}"/>
-              </a:ext>
-            </a:extLst>
-          </p:cNvPr>
-          <p:cNvCxnSpPr>
-            <a:cxnSpLocks/>
-            <a:stCxn id="7" idx="3"/>
-            <a:endCxn id="9" idx="1"/>
-          </p:cNvCxnSpPr>
-          <p:nvPr/>
-        </p:nvCxnSpPr>
-        <p:spPr>
-          <a:xfrm flipV="1">
-            <a:off x="3562201" y="1378065"/>
-            <a:ext cx="433762" cy="419090"/>
-          </a:xfrm>
-          <a:prstGeom prst="bentConnector3">
-            <a:avLst>
-              <a:gd name="adj1" fmla="val 50000"/>
-            </a:avLst>
-          </a:prstGeom>
-          <a:ln>
-            <a:tailEnd type="triangle"/>
-          </a:ln>
-        </p:spPr>
-        <p:style>
-          <a:lnRef idx="1">
-            <a:schemeClr val="accent1"/>
-          </a:lnRef>
-          <a:fillRef idx="0">
-            <a:schemeClr val="accent1"/>
-          </a:fillRef>
-          <a:effectRef idx="0">
-            <a:schemeClr val="accent1"/>
-          </a:effectRef>
-          <a:fontRef idx="minor">
-            <a:schemeClr val="tx1"/>
-          </a:fontRef>
-        </p:style>
-      </p:cxnSp>
-      <p:cxnSp>
-        <p:nvCxnSpPr>
-          <p:cNvPr id="35" name="Connector: Elbow 34">
-            <a:extLst>
-              <a:ext uri="{FF2B5EF4-FFF2-40B4-BE49-F238E27FC236}">
-                <a16:creationId xmlns:a16="http://schemas.microsoft.com/office/drawing/2014/main" id="{C0E58369-E36F-4587-8802-F997AB1C939D}"/>
-              </a:ext>
-            </a:extLst>
-          </p:cNvPr>
-          <p:cNvCxnSpPr>
-            <a:cxnSpLocks/>
-            <a:stCxn id="7" idx="3"/>
-            <a:endCxn id="10" idx="1"/>
-          </p:cNvCxnSpPr>
-          <p:nvPr/>
-        </p:nvCxnSpPr>
-        <p:spPr>
-          <a:xfrm>
-            <a:off x="3562201" y="1797155"/>
-            <a:ext cx="448506" cy="223099"/>
-          </a:xfrm>
-          <a:prstGeom prst="bentConnector3">
-            <a:avLst>
-              <a:gd name="adj1" fmla="val 50000"/>
-            </a:avLst>
-          </a:prstGeom>
-          <a:ln>
-            <a:tailEnd type="triangle"/>
-          </a:ln>
-        </p:spPr>
-        <p:style>
-          <a:lnRef idx="1">
-            <a:schemeClr val="accent1"/>
-          </a:lnRef>
-          <a:fillRef idx="0">
-            <a:schemeClr val="accent1"/>
-          </a:fillRef>
-          <a:effectRef idx="0">
-            <a:schemeClr val="accent1"/>
-          </a:effectRef>
-          <a:fontRef idx="minor">
-            <a:schemeClr val="tx1"/>
-          </a:fontRef>
-        </p:style>
-      </p:cxnSp>
-      <p:sp>
-        <p:nvSpPr>
-          <p:cNvPr id="45" name="TextBox 44">
-            <a:extLst>
-              <a:ext uri="{FF2B5EF4-FFF2-40B4-BE49-F238E27FC236}">
-                <a16:creationId xmlns:a16="http://schemas.microsoft.com/office/drawing/2014/main" id="{721F6DFC-BEDF-4339-882C-D420E12D4DA4}"/>
-              </a:ext>
-            </a:extLst>
-          </p:cNvPr>
-          <p:cNvSpPr txBox="1"/>
-          <p:nvPr/>
-        </p:nvSpPr>
-        <p:spPr>
-          <a:xfrm>
-            <a:off x="5593514" y="3207947"/>
-            <a:ext cx="1209498" cy="300082"/>
-          </a:xfrm>
-          <a:prstGeom prst="rect">
-            <a:avLst/>
-          </a:prstGeom>
-          <a:noFill/>
-          <a:ln>
-            <a:solidFill>
-              <a:schemeClr val="accent1"/>
-            </a:solidFill>
-          </a:ln>
-        </p:spPr>
-        <p:txBody>
-          <a:bodyPr wrap="none" rtlCol="0">
-            <a:spAutoFit/>
-          </a:bodyPr>
-          <a:lstStyle/>
-          <a:p>
-            <a:r>
-              <a:rPr lang="en-US" sz="1350" dirty="0"/>
-              <a:t>18-Trimodality</a:t>
-            </a:r>
-          </a:p>
-        </p:txBody>
-      </p:sp>
       <p:cxnSp>
         <p:nvCxnSpPr>
           <p:cNvPr id="48" name="Connector: Elbow 47">
@@ -4016,9 +3810,9 @@
           <p:nvPr/>
         </p:nvCxnSpPr>
         <p:spPr>
-          <a:xfrm rot="5400000">
-            <a:off x="996758" y="1906005"/>
-            <a:ext cx="418144" cy="12810"/>
+          <a:xfrm rot="16200000" flipH="1">
+            <a:off x="996757" y="1912409"/>
+            <a:ext cx="418144" cy="1"/>
           </a:xfrm>
           <a:prstGeom prst="bentConnector3">
             <a:avLst>
@@ -4061,9 +3855,9 @@
           <p:nvPr/>
         </p:nvCxnSpPr>
         <p:spPr>
-          <a:xfrm rot="16200000" flipH="1">
-            <a:off x="982458" y="2638530"/>
-            <a:ext cx="440338" cy="6405"/>
+          <a:xfrm rot="5400000">
+            <a:off x="985661" y="2641733"/>
+            <a:ext cx="440338" cy="12700"/>
           </a:xfrm>
           <a:prstGeom prst="bentConnector3">
             <a:avLst>
@@ -4100,15 +3894,15 @@
           </p:cNvPr>
           <p:cNvCxnSpPr>
             <a:cxnSpLocks/>
-            <a:stCxn id="45" idx="0"/>
+            <a:stCxn id="14" idx="0"/>
             <a:endCxn id="10" idx="2"/>
           </p:cNvCxnSpPr>
           <p:nvPr/>
         </p:nvCxnSpPr>
         <p:spPr>
           <a:xfrm rot="16200000" flipV="1">
-            <a:off x="4906003" y="1915687"/>
-            <a:ext cx="1037652" cy="1546868"/>
+            <a:off x="4413126" y="2153092"/>
+            <a:ext cx="837395" cy="422189"/>
           </a:xfrm>
           <a:prstGeom prst="bentConnector3">
             <a:avLst>
@@ -4152,8 +3946,8 @@
         </p:nvCxnSpPr>
         <p:spPr>
           <a:xfrm flipV="1">
-            <a:off x="5292083" y="1781259"/>
-            <a:ext cx="1861691" cy="238995"/>
+            <a:off x="5261416" y="1781259"/>
+            <a:ext cx="1892358" cy="14189"/>
           </a:xfrm>
           <a:prstGeom prst="bentConnector3">
             <a:avLst>
@@ -4179,31 +3973,148 @@
           </a:fontRef>
         </p:style>
       </p:cxnSp>
+      <p:sp>
+        <p:nvSpPr>
+          <p:cNvPr id="102" name="TextBox 101">
+            <a:extLst>
+              <a:ext uri="{FF2B5EF4-FFF2-40B4-BE49-F238E27FC236}">
+                <a16:creationId xmlns:a16="http://schemas.microsoft.com/office/drawing/2014/main" id="{A3B3B90E-3560-4944-B416-BCAEADF5C367}"/>
+              </a:ext>
+            </a:extLst>
+          </p:cNvPr>
+          <p:cNvSpPr txBox="1"/>
+          <p:nvPr/>
+        </p:nvSpPr>
+        <p:spPr>
+          <a:xfrm>
+            <a:off x="420636" y="4544145"/>
+            <a:ext cx="1039580" cy="300082"/>
+          </a:xfrm>
+          <a:prstGeom prst="rect">
+            <a:avLst/>
+          </a:prstGeom>
+          <a:noFill/>
+          <a:ln>
+            <a:solidFill>
+              <a:schemeClr val="accent1"/>
+            </a:solidFill>
+          </a:ln>
+        </p:spPr>
+        <p:txBody>
+          <a:bodyPr wrap="none" rtlCol="0">
+            <a:spAutoFit/>
+          </a:bodyPr>
+          <a:lstStyle/>
+          <a:p>
+            <a:r>
+              <a:rPr lang="en-US" sz="1350" dirty="0"/>
+              <a:t>The Journey</a:t>
+            </a:r>
+          </a:p>
+        </p:txBody>
+      </p:sp>
+      <p:sp>
+        <p:nvSpPr>
+          <p:cNvPr id="103" name="TextBox 102">
+            <a:extLst>
+              <a:ext uri="{FF2B5EF4-FFF2-40B4-BE49-F238E27FC236}">
+                <a16:creationId xmlns:a16="http://schemas.microsoft.com/office/drawing/2014/main" id="{0E3C4382-20C2-43CA-A990-B05BCE6C5053}"/>
+              </a:ext>
+            </a:extLst>
+          </p:cNvPr>
+          <p:cNvSpPr txBox="1"/>
+          <p:nvPr/>
+        </p:nvSpPr>
+        <p:spPr>
+          <a:xfrm>
+            <a:off x="420637" y="4846873"/>
+            <a:ext cx="748923" cy="300082"/>
+          </a:xfrm>
+          <a:prstGeom prst="rect">
+            <a:avLst/>
+          </a:prstGeom>
+          <a:noFill/>
+          <a:ln>
+            <a:solidFill>
+              <a:schemeClr val="accent1"/>
+            </a:solidFill>
+          </a:ln>
+        </p:spPr>
+        <p:txBody>
+          <a:bodyPr wrap="none" rtlCol="0">
+            <a:spAutoFit/>
+          </a:bodyPr>
+          <a:lstStyle/>
+          <a:p>
+            <a:r>
+              <a:rPr lang="en-US" sz="1350" dirty="0"/>
+              <a:t>Support</a:t>
+            </a:r>
+          </a:p>
+        </p:txBody>
+      </p:sp>
+      <p:sp>
+        <p:nvSpPr>
+          <p:cNvPr id="104" name="TextBox 103">
+            <a:extLst>
+              <a:ext uri="{FF2B5EF4-FFF2-40B4-BE49-F238E27FC236}">
+                <a16:creationId xmlns:a16="http://schemas.microsoft.com/office/drawing/2014/main" id="{0EA634EA-47EA-4937-A08B-BB5C070EB1BA}"/>
+              </a:ext>
+            </a:extLst>
+          </p:cNvPr>
+          <p:cNvSpPr txBox="1"/>
+          <p:nvPr/>
+        </p:nvSpPr>
+        <p:spPr>
+          <a:xfrm>
+            <a:off x="420636" y="5149600"/>
+            <a:ext cx="1607299" cy="300082"/>
+          </a:xfrm>
+          <a:prstGeom prst="rect">
+            <a:avLst/>
+          </a:prstGeom>
+          <a:noFill/>
+          <a:ln>
+            <a:solidFill>
+              <a:schemeClr val="accent1"/>
+            </a:solidFill>
+          </a:ln>
+        </p:spPr>
+        <p:txBody>
+          <a:bodyPr wrap="none" rtlCol="0">
+            <a:spAutoFit/>
+          </a:bodyPr>
+          <a:lstStyle/>
+          <a:p>
+            <a:r>
+              <a:rPr lang="en-US" sz="1350" dirty="0"/>
+              <a:t>Information Sources</a:t>
+            </a:r>
+          </a:p>
+        </p:txBody>
+      </p:sp>
       <p:cxnSp>
         <p:nvCxnSpPr>
-          <p:cNvPr id="88" name="Connector: Elbow 87">
+          <p:cNvPr id="24" name="Connector: Elbow 23">
             <a:extLst>
               <a:ext uri="{FF2B5EF4-FFF2-40B4-BE49-F238E27FC236}">
-                <a16:creationId xmlns:a16="http://schemas.microsoft.com/office/drawing/2014/main" id="{2B8743EF-18E0-43A6-B4DF-65412BDAA60A}"/>
+                <a16:creationId xmlns:a16="http://schemas.microsoft.com/office/drawing/2014/main" id="{51BD69EE-A415-4C7A-9380-BF9BE2D634B9}"/>
               </a:ext>
             </a:extLst>
           </p:cNvPr>
           <p:cNvCxnSpPr>
             <a:cxnSpLocks/>
-            <a:stCxn id="14" idx="3"/>
-            <a:endCxn id="45" idx="1"/>
+            <a:endCxn id="10" idx="1"/>
           </p:cNvCxnSpPr>
           <p:nvPr/>
         </p:nvCxnSpPr>
         <p:spPr>
-          <a:xfrm>
-            <a:off x="4957701" y="2932925"/>
-            <a:ext cx="635813" cy="425063"/>
+          <a:xfrm flipV="1">
+            <a:off x="3562201" y="1795448"/>
+            <a:ext cx="417839" cy="1710"/>
           </a:xfrm>
           <a:prstGeom prst="bentConnector3">
-            <a:avLst>
-              <a:gd name="adj1" fmla="val 50000"/>
-            </a:avLst>
+            <a:avLst/>
           </a:prstGeom>
           <a:ln>
             <a:tailEnd type="triangle"/>
@@ -4224,57 +4135,12 @@
           </a:fontRef>
         </p:style>
       </p:cxnSp>
-      <p:cxnSp>
-        <p:nvCxnSpPr>
-          <p:cNvPr id="95" name="Connector: Elbow 94">
+      <p:sp>
+        <p:nvSpPr>
+          <p:cNvPr id="46" name="TextBox 45">
             <a:extLst>
               <a:ext uri="{FF2B5EF4-FFF2-40B4-BE49-F238E27FC236}">
-                <a16:creationId xmlns:a16="http://schemas.microsoft.com/office/drawing/2014/main" id="{DD9D4247-77CC-427D-AB8C-773E4CC6C5EE}"/>
-              </a:ext>
-            </a:extLst>
-          </p:cNvPr>
-          <p:cNvCxnSpPr>
-            <a:cxnSpLocks/>
-            <a:stCxn id="16" idx="3"/>
-            <a:endCxn id="15" idx="1"/>
-          </p:cNvCxnSpPr>
-          <p:nvPr/>
-        </p:nvCxnSpPr>
-        <p:spPr>
-          <a:xfrm flipV="1">
-            <a:off x="5532474" y="5392718"/>
-            <a:ext cx="902412" cy="3733"/>
-          </a:xfrm>
-          <a:prstGeom prst="bentConnector3">
-            <a:avLst>
-              <a:gd name="adj1" fmla="val 50000"/>
-            </a:avLst>
-          </a:prstGeom>
-          <a:ln>
-            <a:tailEnd type="triangle"/>
-          </a:ln>
-        </p:spPr>
-        <p:style>
-          <a:lnRef idx="1">
-            <a:schemeClr val="accent1"/>
-          </a:lnRef>
-          <a:fillRef idx="0">
-            <a:schemeClr val="accent1"/>
-          </a:fillRef>
-          <a:effectRef idx="0">
-            <a:schemeClr val="accent1"/>
-          </a:effectRef>
-          <a:fontRef idx="minor">
-            <a:schemeClr val="tx1"/>
-          </a:fontRef>
-        </p:style>
-      </p:cxnSp>
-      <p:sp>
-        <p:nvSpPr>
-          <p:cNvPr id="102" name="TextBox 101">
-            <a:extLst>
-              <a:ext uri="{FF2B5EF4-FFF2-40B4-BE49-F238E27FC236}">
-                <a16:creationId xmlns:a16="http://schemas.microsoft.com/office/drawing/2014/main" id="{A3B3B90E-3560-4944-B416-BCAEADF5C367}"/>
+                <a16:creationId xmlns:a16="http://schemas.microsoft.com/office/drawing/2014/main" id="{388DC23E-30BA-4C60-9E12-B4A363AD95A5}"/>
               </a:ext>
             </a:extLst>
           </p:cNvPr>
@@ -4283,8 +4149,8 @@
         </p:nvSpPr>
         <p:spPr>
           <a:xfrm>
-            <a:off x="420636" y="4544145"/>
-            <a:ext cx="1039580" cy="300082"/>
+            <a:off x="4226492" y="4691501"/>
+            <a:ext cx="1459502" cy="300082"/>
           </a:xfrm>
           <a:prstGeom prst="rect">
             <a:avLst/>
@@ -4304,17 +4170,17 @@
           <a:p>
             <a:r>
               <a:rPr lang="en-US" sz="1350" dirty="0"/>
-              <a:t>The Journey</a:t>
-            </a:r>
-          </a:p>
-        </p:txBody>
-      </p:sp>
-      <p:sp>
-        <p:nvSpPr>
-          <p:cNvPr id="103" name="TextBox 102">
+              <a:t>40-Chemotherapy</a:t>
+            </a:r>
+          </a:p>
+        </p:txBody>
+      </p:sp>
+      <p:sp>
+        <p:nvSpPr>
+          <p:cNvPr id="47" name="TextBox 46">
             <a:extLst>
               <a:ext uri="{FF2B5EF4-FFF2-40B4-BE49-F238E27FC236}">
-                <a16:creationId xmlns:a16="http://schemas.microsoft.com/office/drawing/2014/main" id="{0E3C4382-20C2-43CA-A990-B05BCE6C5053}"/>
+                <a16:creationId xmlns:a16="http://schemas.microsoft.com/office/drawing/2014/main" id="{8C8337FE-F416-4D0F-AD72-FE6BB6E39710}"/>
               </a:ext>
             </a:extLst>
           </p:cNvPr>
@@ -4323,8 +4189,8 @@
         </p:nvSpPr>
         <p:spPr>
           <a:xfrm>
-            <a:off x="420637" y="4846873"/>
-            <a:ext cx="748923" cy="300082"/>
+            <a:off x="420636" y="5454973"/>
+            <a:ext cx="863121" cy="300082"/>
           </a:xfrm>
           <a:prstGeom prst="rect">
             <a:avLst/>
@@ -4344,47 +4210,7 @@
           <a:p>
             <a:r>
               <a:rPr lang="en-US" sz="1350" dirty="0"/>
-              <a:t>Support</a:t>
-            </a:r>
-          </a:p>
-        </p:txBody>
-      </p:sp>
-      <p:sp>
-        <p:nvSpPr>
-          <p:cNvPr id="104" name="TextBox 103">
-            <a:extLst>
-              <a:ext uri="{FF2B5EF4-FFF2-40B4-BE49-F238E27FC236}">
-                <a16:creationId xmlns:a16="http://schemas.microsoft.com/office/drawing/2014/main" id="{0EA634EA-47EA-4937-A08B-BB5C070EB1BA}"/>
-              </a:ext>
-            </a:extLst>
-          </p:cNvPr>
-          <p:cNvSpPr txBox="1"/>
-          <p:nvPr/>
-        </p:nvSpPr>
-        <p:spPr>
-          <a:xfrm>
-            <a:off x="420636" y="5149600"/>
-            <a:ext cx="1607299" cy="300082"/>
-          </a:xfrm>
-          <a:prstGeom prst="rect">
-            <a:avLst/>
-          </a:prstGeom>
-          <a:noFill/>
-          <a:ln>
-            <a:solidFill>
-              <a:schemeClr val="accent1"/>
-            </a:solidFill>
-          </a:ln>
-        </p:spPr>
-        <p:txBody>
-          <a:bodyPr wrap="none" rtlCol="0">
-            <a:spAutoFit/>
-          </a:bodyPr>
-          <a:lstStyle/>
-          <a:p>
-            <a:r>
-              <a:rPr lang="en-US" sz="1350" dirty="0"/>
-              <a:t>Information Sources</a:t>
+              <a:t>Prognosis</a:t>
             </a:r>
           </a:p>
         </p:txBody>

--- a/plan_overview.pptx
+++ b/plan_overview.pptx
@@ -3005,9 +3005,12 @@
           <a:lstStyle/>
           <a:p>
             <a:r>
-              <a:rPr lang="en-US" sz="1350" dirty="0"/>
+              <a:rPr lang="en-US" sz="1350" dirty="0">
+                <a:hlinkClick r:id="rId2" action="ppaction://hlinkfile"/>
+              </a:rPr>
               <a:t>01-intro_LCI</a:t>
             </a:r>
+            <a:endParaRPr lang="en-US" sz="1350" dirty="0"/>
           </a:p>
         </p:txBody>
       </p:sp>

--- a/plan_overview.pptx
+++ b/plan_overview.pptx
@@ -5,7 +5,7 @@
     <p:sldMasterId id="2147483660" r:id="rId1"/>
   </p:sldMasterIdLst>
   <p:sldIdLst>
-    <p:sldId id="256" r:id="rId2"/>
+    <p:sldId id="257" r:id="rId2"/>
   </p:sldIdLst>
   <p:sldSz cx="9144000" cy="6858000" type="letter"/>
   <p:notesSz cx="6858000" cy="9144000"/>
@@ -243,7 +243,7 @@
           <a:p>
             <a:fld id="{320965FB-FE1C-4DA5-BFA1-80A1042A565F}" type="datetimeFigureOut">
               <a:rPr lang="en-US" smtClean="0"/>
-              <a:t>11/4/2021</a:t>
+              <a:t>1/15/2022</a:t>
             </a:fld>
             <a:endParaRPr lang="en-US"/>
           </a:p>
@@ -413,7 +413,7 @@
           <a:p>
             <a:fld id="{320965FB-FE1C-4DA5-BFA1-80A1042A565F}" type="datetimeFigureOut">
               <a:rPr lang="en-US" smtClean="0"/>
-              <a:t>11/4/2021</a:t>
+              <a:t>1/15/2022</a:t>
             </a:fld>
             <a:endParaRPr lang="en-US"/>
           </a:p>
@@ -593,7 +593,7 @@
           <a:p>
             <a:fld id="{320965FB-FE1C-4DA5-BFA1-80A1042A565F}" type="datetimeFigureOut">
               <a:rPr lang="en-US" smtClean="0"/>
-              <a:t>11/4/2021</a:t>
+              <a:t>1/15/2022</a:t>
             </a:fld>
             <a:endParaRPr lang="en-US"/>
           </a:p>
@@ -763,7 +763,7 @@
           <a:p>
             <a:fld id="{320965FB-FE1C-4DA5-BFA1-80A1042A565F}" type="datetimeFigureOut">
               <a:rPr lang="en-US" smtClean="0"/>
-              <a:t>11/4/2021</a:t>
+              <a:t>1/15/2022</a:t>
             </a:fld>
             <a:endParaRPr lang="en-US"/>
           </a:p>
@@ -1007,7 +1007,7 @@
           <a:p>
             <a:fld id="{320965FB-FE1C-4DA5-BFA1-80A1042A565F}" type="datetimeFigureOut">
               <a:rPr lang="en-US" smtClean="0"/>
-              <a:t>11/4/2021</a:t>
+              <a:t>1/15/2022</a:t>
             </a:fld>
             <a:endParaRPr lang="en-US"/>
           </a:p>
@@ -1239,7 +1239,7 @@
           <a:p>
             <a:fld id="{320965FB-FE1C-4DA5-BFA1-80A1042A565F}" type="datetimeFigureOut">
               <a:rPr lang="en-US" smtClean="0"/>
-              <a:t>11/4/2021</a:t>
+              <a:t>1/15/2022</a:t>
             </a:fld>
             <a:endParaRPr lang="en-US"/>
           </a:p>
@@ -1606,7 +1606,7 @@
           <a:p>
             <a:fld id="{320965FB-FE1C-4DA5-BFA1-80A1042A565F}" type="datetimeFigureOut">
               <a:rPr lang="en-US" smtClean="0"/>
-              <a:t>11/4/2021</a:t>
+              <a:t>1/15/2022</a:t>
             </a:fld>
             <a:endParaRPr lang="en-US"/>
           </a:p>
@@ -1724,7 +1724,7 @@
           <a:p>
             <a:fld id="{320965FB-FE1C-4DA5-BFA1-80A1042A565F}" type="datetimeFigureOut">
               <a:rPr lang="en-US" smtClean="0"/>
-              <a:t>11/4/2021</a:t>
+              <a:t>1/15/2022</a:t>
             </a:fld>
             <a:endParaRPr lang="en-US"/>
           </a:p>
@@ -1819,7 +1819,7 @@
           <a:p>
             <a:fld id="{320965FB-FE1C-4DA5-BFA1-80A1042A565F}" type="datetimeFigureOut">
               <a:rPr lang="en-US" smtClean="0"/>
-              <a:t>11/4/2021</a:t>
+              <a:t>1/15/2022</a:t>
             </a:fld>
             <a:endParaRPr lang="en-US"/>
           </a:p>
@@ -2096,7 +2096,7 @@
           <a:p>
             <a:fld id="{320965FB-FE1C-4DA5-BFA1-80A1042A565F}" type="datetimeFigureOut">
               <a:rPr lang="en-US" smtClean="0"/>
-              <a:t>11/4/2021</a:t>
+              <a:t>1/15/2022</a:t>
             </a:fld>
             <a:endParaRPr lang="en-US"/>
           </a:p>
@@ -2353,7 +2353,7 @@
           <a:p>
             <a:fld id="{320965FB-FE1C-4DA5-BFA1-80A1042A565F}" type="datetimeFigureOut">
               <a:rPr lang="en-US" smtClean="0"/>
-              <a:t>11/4/2021</a:t>
+              <a:t>1/15/2022</a:t>
             </a:fld>
             <a:endParaRPr lang="en-US"/>
           </a:p>
@@ -2566,7 +2566,7 @@
           <a:p>
             <a:fld id="{320965FB-FE1C-4DA5-BFA1-80A1042A565F}" type="datetimeFigureOut">
               <a:rPr lang="en-US" smtClean="0"/>
-              <a:t>11/4/2021</a:t>
+              <a:t>1/15/2022</a:t>
             </a:fld>
             <a:endParaRPr lang="en-US"/>
           </a:p>
@@ -2985,7 +2985,7 @@
         </p:nvSpPr>
         <p:spPr>
           <a:xfrm>
-            <a:off x="683827" y="1403256"/>
+            <a:off x="206792" y="474049"/>
             <a:ext cx="1044004" cy="300082"/>
           </a:xfrm>
           <a:prstGeom prst="rect">
@@ -3028,8 +3028,8 @@
         </p:nvSpPr>
         <p:spPr>
           <a:xfrm>
-            <a:off x="442896" y="2121482"/>
-            <a:ext cx="1525867" cy="300082"/>
+            <a:off x="293311" y="1232337"/>
+            <a:ext cx="1525867" cy="507831"/>
           </a:xfrm>
           <a:prstGeom prst="rect">
             <a:avLst/>
@@ -3052,6 +3052,12 @@
               <a:t>02-Eso_Dx_Staging</a:t>
             </a:r>
           </a:p>
+          <a:p>
+            <a:r>
+              <a:rPr lang="en-US" sz="1350" dirty="0"/>
+              <a:t>TNM</a:t>
+            </a:r>
+          </a:p>
         </p:txBody>
       </p:sp>
       <p:sp>
@@ -3068,8 +3074,8 @@
         </p:nvSpPr>
         <p:spPr>
           <a:xfrm>
-            <a:off x="428597" y="2861902"/>
-            <a:ext cx="1554465" cy="300082"/>
+            <a:off x="279012" y="3780072"/>
+            <a:ext cx="1554465" cy="715581"/>
           </a:xfrm>
           <a:prstGeom prst="rect">
             <a:avLst/>
@@ -3092,6 +3098,18 @@
               <a:t>04-Eso_Rx_Options</a:t>
             </a:r>
           </a:p>
+          <a:p>
+            <a:r>
+              <a:rPr lang="en-US" sz="1350" dirty="0"/>
+              <a:t>- Non-obstructing</a:t>
+            </a:r>
+          </a:p>
+          <a:p>
+            <a:r>
+              <a:rPr lang="en-US" sz="1350" dirty="0"/>
+              <a:t>- Obstructing</a:t>
+            </a:r>
+          </a:p>
         </p:txBody>
       </p:sp>
       <p:sp>
@@ -3108,8 +3126,8 @@
         </p:nvSpPr>
         <p:spPr>
           <a:xfrm>
-            <a:off x="2473120" y="1645407"/>
-            <a:ext cx="1089081" cy="300082"/>
+            <a:off x="2181073" y="2366769"/>
+            <a:ext cx="1089081" cy="607859"/>
           </a:xfrm>
           <a:prstGeom prst="rect">
             <a:avLst/>
@@ -3132,6 +3150,18 @@
               <a:t>06-Eso_Early</a:t>
             </a:r>
           </a:p>
+          <a:p>
+            <a:r>
+              <a:rPr lang="en-US" sz="1000" dirty="0"/>
+              <a:t>Non-Obstruct</a:t>
+            </a:r>
+          </a:p>
+          <a:p>
+            <a:r>
+              <a:rPr lang="en-US" sz="1000" dirty="0"/>
+              <a:t>EMR</a:t>
+            </a:r>
+          </a:p>
         </p:txBody>
       </p:sp>
       <p:sp>
@@ -3148,8 +3178,8 @@
         </p:nvSpPr>
         <p:spPr>
           <a:xfrm>
-            <a:off x="2432487" y="4118880"/>
-            <a:ext cx="1437253" cy="300082"/>
+            <a:off x="2174274" y="4853444"/>
+            <a:ext cx="1437253" cy="453970"/>
           </a:xfrm>
           <a:prstGeom prst="rect">
             <a:avLst/>
@@ -3172,6 +3202,12 @@
               <a:t>08-Eso_Advanced</a:t>
             </a:r>
           </a:p>
+          <a:p>
+            <a:r>
+              <a:rPr lang="en-US" sz="1000" dirty="0"/>
+              <a:t>Obstructing</a:t>
+            </a:r>
+          </a:p>
         </p:txBody>
       </p:sp>
       <p:sp>
@@ -3188,7 +3224,7 @@
         </p:nvSpPr>
         <p:spPr>
           <a:xfrm>
-            <a:off x="3980040" y="1645407"/>
+            <a:off x="4136983" y="1761682"/>
             <a:ext cx="1281376" cy="300082"/>
           </a:xfrm>
           <a:prstGeom prst="rect">
@@ -3228,7 +3264,7 @@
         </p:nvSpPr>
         <p:spPr>
           <a:xfrm>
-            <a:off x="7153774" y="1631218"/>
+            <a:off x="6156270" y="1510651"/>
             <a:ext cx="982257" cy="300082"/>
           </a:xfrm>
           <a:prstGeom prst="rect">
@@ -3268,7 +3304,7 @@
         </p:nvSpPr>
         <p:spPr>
           <a:xfrm>
-            <a:off x="7153773" y="1024355"/>
+            <a:off x="4273517" y="558966"/>
             <a:ext cx="694421" cy="300082"/>
           </a:xfrm>
           <a:prstGeom prst="rect">
@@ -3308,7 +3344,7 @@
         </p:nvSpPr>
         <p:spPr>
           <a:xfrm>
-            <a:off x="7153773" y="1315241"/>
+            <a:off x="4280869" y="1151689"/>
             <a:ext cx="993605" cy="300082"/>
           </a:xfrm>
           <a:prstGeom prst="rect">
@@ -3348,7 +3384,7 @@
         </p:nvSpPr>
         <p:spPr>
           <a:xfrm>
-            <a:off x="4042066" y="2782884"/>
+            <a:off x="3776820" y="4315941"/>
             <a:ext cx="2001702" cy="300082"/>
           </a:xfrm>
           <a:prstGeom prst="rect">
@@ -3392,7 +3428,7 @@
         </p:nvSpPr>
         <p:spPr>
           <a:xfrm>
-            <a:off x="4042066" y="5246410"/>
+            <a:off x="3785993" y="5234741"/>
             <a:ext cx="1490408" cy="300082"/>
           </a:xfrm>
           <a:prstGeom prst="rect">
@@ -3432,7 +3468,7 @@
         </p:nvSpPr>
         <p:spPr>
           <a:xfrm>
-            <a:off x="4220112" y="4371649"/>
+            <a:off x="4176100" y="6420187"/>
             <a:ext cx="710194" cy="300082"/>
           </a:xfrm>
           <a:prstGeom prst="rect">
@@ -3472,7 +3508,7 @@
         </p:nvSpPr>
         <p:spPr>
           <a:xfrm>
-            <a:off x="4226492" y="3741830"/>
+            <a:off x="6291538" y="3238221"/>
             <a:ext cx="1056700" cy="300082"/>
           </a:xfrm>
           <a:prstGeom prst="rect">
@@ -3512,7 +3548,7 @@
         </p:nvSpPr>
         <p:spPr>
           <a:xfrm>
-            <a:off x="4226492" y="4056739"/>
+            <a:off x="7489622" y="2636745"/>
             <a:ext cx="1304844" cy="300082"/>
           </a:xfrm>
           <a:prstGeom prst="rect">
@@ -3552,7 +3588,7 @@
         </p:nvSpPr>
         <p:spPr>
           <a:xfrm>
-            <a:off x="7153774" y="1924113"/>
+            <a:off x="7497701" y="3852700"/>
             <a:ext cx="1296765" cy="300082"/>
           </a:xfrm>
           <a:prstGeom prst="rect">
@@ -3592,7 +3628,7 @@
         </p:nvSpPr>
         <p:spPr>
           <a:xfrm>
-            <a:off x="7153773" y="2232903"/>
+            <a:off x="6125628" y="535530"/>
             <a:ext cx="1582100" cy="300082"/>
           </a:xfrm>
           <a:prstGeom prst="rect">
@@ -3636,12 +3672,12 @@
         </p:nvCxnSpPr>
         <p:spPr>
           <a:xfrm>
-            <a:off x="1983062" y="3011943"/>
-            <a:ext cx="449425" cy="1256978"/>
+            <a:off x="1833477" y="4137863"/>
+            <a:ext cx="340797" cy="942566"/>
           </a:xfrm>
           <a:prstGeom prst="bentConnector3">
             <a:avLst>
-              <a:gd name="adj1" fmla="val 54239"/>
+              <a:gd name="adj1" fmla="val 50000"/>
             </a:avLst>
           </a:prstGeom>
           <a:ln>
@@ -3681,11 +3717,13 @@
         </p:nvCxnSpPr>
         <p:spPr>
           <a:xfrm flipV="1">
-            <a:off x="1983062" y="1795448"/>
-            <a:ext cx="490058" cy="1216495"/>
+            <a:off x="1833477" y="2670699"/>
+            <a:ext cx="347596" cy="1467164"/>
           </a:xfrm>
           <a:prstGeom prst="bentConnector3">
-            <a:avLst/>
+            <a:avLst>
+              <a:gd name="adj1" fmla="val 50000"/>
+            </a:avLst>
           </a:prstGeom>
           <a:ln>
             <a:tailEnd type="triangle"/>
@@ -3724,8 +3762,8 @@
         </p:nvCxnSpPr>
         <p:spPr>
           <a:xfrm flipV="1">
-            <a:off x="3869740" y="2932925"/>
-            <a:ext cx="172326" cy="1335996"/>
+            <a:off x="3611527" y="4465982"/>
+            <a:ext cx="165293" cy="614447"/>
           </a:xfrm>
           <a:prstGeom prst="bentConnector3">
             <a:avLst>
@@ -3769,13 +3807,343 @@
         </p:nvCxnSpPr>
         <p:spPr>
           <a:xfrm>
-            <a:off x="3869740" y="4268921"/>
-            <a:ext cx="172326" cy="1127530"/>
+            <a:off x="3611527" y="5080429"/>
+            <a:ext cx="174466" cy="304353"/>
           </a:xfrm>
           <a:prstGeom prst="bentConnector3">
             <a:avLst>
               <a:gd name="adj1" fmla="val 50000"/>
             </a:avLst>
+          </a:prstGeom>
+          <a:ln>
+            <a:tailEnd type="triangle"/>
+          </a:ln>
+        </p:spPr>
+        <p:style>
+          <a:lnRef idx="1">
+            <a:schemeClr val="accent1"/>
+          </a:lnRef>
+          <a:fillRef idx="0">
+            <a:schemeClr val="accent1"/>
+          </a:fillRef>
+          <a:effectRef idx="0">
+            <a:schemeClr val="accent1"/>
+          </a:effectRef>
+          <a:fontRef idx="minor">
+            <a:schemeClr val="tx1"/>
+          </a:fontRef>
+        </p:style>
+      </p:cxnSp>
+      <p:sp>
+        <p:nvSpPr>
+          <p:cNvPr id="102" name="TextBox 101">
+            <a:extLst>
+              <a:ext uri="{FF2B5EF4-FFF2-40B4-BE49-F238E27FC236}">
+                <a16:creationId xmlns:a16="http://schemas.microsoft.com/office/drawing/2014/main" id="{A3B3B90E-3560-4944-B416-BCAEADF5C367}"/>
+              </a:ext>
+            </a:extLst>
+          </p:cNvPr>
+          <p:cNvSpPr txBox="1"/>
+          <p:nvPr/>
+        </p:nvSpPr>
+        <p:spPr>
+          <a:xfrm>
+            <a:off x="6916678" y="4631931"/>
+            <a:ext cx="1039580" cy="300082"/>
+          </a:xfrm>
+          <a:prstGeom prst="rect">
+            <a:avLst/>
+          </a:prstGeom>
+          <a:noFill/>
+          <a:ln>
+            <a:solidFill>
+              <a:schemeClr val="accent1"/>
+            </a:solidFill>
+          </a:ln>
+        </p:spPr>
+        <p:txBody>
+          <a:bodyPr wrap="none" rtlCol="0">
+            <a:spAutoFit/>
+          </a:bodyPr>
+          <a:lstStyle/>
+          <a:p>
+            <a:r>
+              <a:rPr lang="en-US" sz="1350" dirty="0"/>
+              <a:t>The Journey</a:t>
+            </a:r>
+          </a:p>
+        </p:txBody>
+      </p:sp>
+      <p:sp>
+        <p:nvSpPr>
+          <p:cNvPr id="103" name="TextBox 102">
+            <a:extLst>
+              <a:ext uri="{FF2B5EF4-FFF2-40B4-BE49-F238E27FC236}">
+                <a16:creationId xmlns:a16="http://schemas.microsoft.com/office/drawing/2014/main" id="{0E3C4382-20C2-43CA-A990-B05BCE6C5053}"/>
+              </a:ext>
+            </a:extLst>
+          </p:cNvPr>
+          <p:cNvSpPr txBox="1"/>
+          <p:nvPr/>
+        </p:nvSpPr>
+        <p:spPr>
+          <a:xfrm>
+            <a:off x="6916679" y="4934659"/>
+            <a:ext cx="748923" cy="300082"/>
+          </a:xfrm>
+          <a:prstGeom prst="rect">
+            <a:avLst/>
+          </a:prstGeom>
+          <a:noFill/>
+          <a:ln>
+            <a:solidFill>
+              <a:schemeClr val="accent1"/>
+            </a:solidFill>
+          </a:ln>
+        </p:spPr>
+        <p:txBody>
+          <a:bodyPr wrap="none" rtlCol="0">
+            <a:spAutoFit/>
+          </a:bodyPr>
+          <a:lstStyle/>
+          <a:p>
+            <a:r>
+              <a:rPr lang="en-US" sz="1350" dirty="0"/>
+              <a:t>Support</a:t>
+            </a:r>
+          </a:p>
+        </p:txBody>
+      </p:sp>
+      <p:sp>
+        <p:nvSpPr>
+          <p:cNvPr id="104" name="TextBox 103">
+            <a:extLst>
+              <a:ext uri="{FF2B5EF4-FFF2-40B4-BE49-F238E27FC236}">
+                <a16:creationId xmlns:a16="http://schemas.microsoft.com/office/drawing/2014/main" id="{0EA634EA-47EA-4937-A08B-BB5C070EB1BA}"/>
+              </a:ext>
+            </a:extLst>
+          </p:cNvPr>
+          <p:cNvSpPr txBox="1"/>
+          <p:nvPr/>
+        </p:nvSpPr>
+        <p:spPr>
+          <a:xfrm>
+            <a:off x="6916678" y="5246410"/>
+            <a:ext cx="1607299" cy="300082"/>
+          </a:xfrm>
+          <a:prstGeom prst="rect">
+            <a:avLst/>
+          </a:prstGeom>
+          <a:noFill/>
+          <a:ln>
+            <a:solidFill>
+              <a:schemeClr val="accent1"/>
+            </a:solidFill>
+          </a:ln>
+        </p:spPr>
+        <p:txBody>
+          <a:bodyPr wrap="none" rtlCol="0">
+            <a:spAutoFit/>
+          </a:bodyPr>
+          <a:lstStyle/>
+          <a:p>
+            <a:r>
+              <a:rPr lang="en-US" sz="1350" dirty="0"/>
+              <a:t>Information Sources</a:t>
+            </a:r>
+          </a:p>
+        </p:txBody>
+      </p:sp>
+      <p:cxnSp>
+        <p:nvCxnSpPr>
+          <p:cNvPr id="24" name="Connector: Elbow 23">
+            <a:extLst>
+              <a:ext uri="{FF2B5EF4-FFF2-40B4-BE49-F238E27FC236}">
+                <a16:creationId xmlns:a16="http://schemas.microsoft.com/office/drawing/2014/main" id="{51BD69EE-A415-4C7A-9380-BF9BE2D634B9}"/>
+              </a:ext>
+            </a:extLst>
+          </p:cNvPr>
+          <p:cNvCxnSpPr>
+            <a:cxnSpLocks/>
+            <a:stCxn id="7" idx="2"/>
+          </p:cNvCxnSpPr>
+          <p:nvPr/>
+        </p:nvCxnSpPr>
+        <p:spPr>
+          <a:xfrm rot="16200000" flipH="1">
+            <a:off x="2058728" y="3641513"/>
+            <a:ext cx="1871963" cy="538191"/>
+          </a:xfrm>
+          <a:prstGeom prst="curvedConnector3">
+            <a:avLst>
+              <a:gd name="adj1" fmla="val 50000"/>
+            </a:avLst>
+          </a:prstGeom>
+          <a:ln>
+            <a:tailEnd type="triangle"/>
+          </a:ln>
+        </p:spPr>
+        <p:style>
+          <a:lnRef idx="1">
+            <a:schemeClr val="accent1"/>
+          </a:lnRef>
+          <a:fillRef idx="0">
+            <a:schemeClr val="accent1"/>
+          </a:fillRef>
+          <a:effectRef idx="0">
+            <a:schemeClr val="accent1"/>
+          </a:effectRef>
+          <a:fontRef idx="minor">
+            <a:schemeClr val="tx1"/>
+          </a:fontRef>
+        </p:style>
+      </p:cxnSp>
+      <p:sp>
+        <p:nvSpPr>
+          <p:cNvPr id="46" name="TextBox 45">
+            <a:extLst>
+              <a:ext uri="{FF2B5EF4-FFF2-40B4-BE49-F238E27FC236}">
+                <a16:creationId xmlns:a16="http://schemas.microsoft.com/office/drawing/2014/main" id="{388DC23E-30BA-4C60-9E12-B4A363AD95A5}"/>
+              </a:ext>
+            </a:extLst>
+          </p:cNvPr>
+          <p:cNvSpPr txBox="1"/>
+          <p:nvPr/>
+        </p:nvSpPr>
+        <p:spPr>
+          <a:xfrm>
+            <a:off x="3801446" y="5820023"/>
+            <a:ext cx="1459502" cy="300082"/>
+          </a:xfrm>
+          <a:prstGeom prst="rect">
+            <a:avLst/>
+          </a:prstGeom>
+          <a:noFill/>
+          <a:ln>
+            <a:solidFill>
+              <a:schemeClr val="accent1"/>
+            </a:solidFill>
+          </a:ln>
+        </p:spPr>
+        <p:txBody>
+          <a:bodyPr wrap="none" rtlCol="0">
+            <a:spAutoFit/>
+          </a:bodyPr>
+          <a:lstStyle/>
+          <a:p>
+            <a:r>
+              <a:rPr lang="en-US" sz="1350" dirty="0"/>
+              <a:t>40-Chemotherapy</a:t>
+            </a:r>
+          </a:p>
+        </p:txBody>
+      </p:sp>
+      <p:sp>
+        <p:nvSpPr>
+          <p:cNvPr id="47" name="TextBox 46">
+            <a:extLst>
+              <a:ext uri="{FF2B5EF4-FFF2-40B4-BE49-F238E27FC236}">
+                <a16:creationId xmlns:a16="http://schemas.microsoft.com/office/drawing/2014/main" id="{8C8337FE-F416-4D0F-AD72-FE6BB6E39710}"/>
+              </a:ext>
+            </a:extLst>
+          </p:cNvPr>
+          <p:cNvSpPr txBox="1"/>
+          <p:nvPr/>
+        </p:nvSpPr>
+        <p:spPr>
+          <a:xfrm>
+            <a:off x="6916678" y="5542759"/>
+            <a:ext cx="863121" cy="300082"/>
+          </a:xfrm>
+          <a:prstGeom prst="rect">
+            <a:avLst/>
+          </a:prstGeom>
+          <a:noFill/>
+          <a:ln>
+            <a:solidFill>
+              <a:schemeClr val="accent1"/>
+            </a:solidFill>
+          </a:ln>
+        </p:spPr>
+        <p:txBody>
+          <a:bodyPr wrap="none" rtlCol="0">
+            <a:spAutoFit/>
+          </a:bodyPr>
+          <a:lstStyle/>
+          <a:p>
+            <a:r>
+              <a:rPr lang="en-US" sz="1350" dirty="0"/>
+              <a:t>Prognosis</a:t>
+            </a:r>
+          </a:p>
+        </p:txBody>
+      </p:sp>
+      <p:sp>
+        <p:nvSpPr>
+          <p:cNvPr id="35" name="TextBox 34">
+            <a:extLst>
+              <a:ext uri="{FF2B5EF4-FFF2-40B4-BE49-F238E27FC236}">
+                <a16:creationId xmlns:a16="http://schemas.microsoft.com/office/drawing/2014/main" id="{AA28A31B-0411-49F1-8B1E-278E64A9B59C}"/>
+              </a:ext>
+            </a:extLst>
+          </p:cNvPr>
+          <p:cNvSpPr txBox="1"/>
+          <p:nvPr/>
+        </p:nvSpPr>
+        <p:spPr>
+          <a:xfrm>
+            <a:off x="195303" y="2083278"/>
+            <a:ext cx="1721882" cy="507831"/>
+          </a:xfrm>
+          <a:prstGeom prst="rect">
+            <a:avLst/>
+          </a:prstGeom>
+          <a:noFill/>
+          <a:ln>
+            <a:solidFill>
+              <a:schemeClr val="accent1"/>
+            </a:solidFill>
+          </a:ln>
+        </p:spPr>
+        <p:txBody>
+          <a:bodyPr wrap="none" rtlCol="0">
+            <a:spAutoFit/>
+          </a:bodyPr>
+          <a:lstStyle/>
+          <a:p>
+            <a:r>
+              <a:rPr lang="en-US" sz="1350" dirty="0"/>
+              <a:t>03-EsoCA_Care_Team</a:t>
+            </a:r>
+          </a:p>
+          <a:p>
+            <a:endParaRPr lang="en-US" sz="1350" dirty="0"/>
+          </a:p>
+        </p:txBody>
+      </p:sp>
+      <p:cxnSp>
+        <p:nvCxnSpPr>
+          <p:cNvPr id="33" name="Straight Arrow Connector 32">
+            <a:extLst>
+              <a:ext uri="{FF2B5EF4-FFF2-40B4-BE49-F238E27FC236}">
+                <a16:creationId xmlns:a16="http://schemas.microsoft.com/office/drawing/2014/main" id="{F00CEE77-6867-4084-83A8-233FEE1F5A8D}"/>
+              </a:ext>
+            </a:extLst>
+          </p:cNvPr>
+          <p:cNvCxnSpPr>
+            <a:cxnSpLocks/>
+            <a:stCxn id="35" idx="2"/>
+            <a:endCxn id="6" idx="0"/>
+          </p:cNvCxnSpPr>
+          <p:nvPr/>
+        </p:nvCxnSpPr>
+        <p:spPr>
+          <a:xfrm>
+            <a:off x="1056244" y="2591109"/>
+            <a:ext cx="1" cy="1188963"/>
+          </a:xfrm>
+          <a:prstGeom prst="straightConnector1">
+            <a:avLst/>
           </a:prstGeom>
           <a:ln>
             <a:tailEnd type="triangle"/>
@@ -3798,29 +4166,27 @@
       </p:cxnSp>
       <p:cxnSp>
         <p:nvCxnSpPr>
-          <p:cNvPr id="61" name="Connector: Elbow 60">
+          <p:cNvPr id="50" name="Connector: Elbow 49">
             <a:extLst>
               <a:ext uri="{FF2B5EF4-FFF2-40B4-BE49-F238E27FC236}">
-                <a16:creationId xmlns:a16="http://schemas.microsoft.com/office/drawing/2014/main" id="{35E3C73C-5F53-4FB0-8B28-121A8F0D74A2}"/>
+                <a16:creationId xmlns:a16="http://schemas.microsoft.com/office/drawing/2014/main" id="{CCAA9F39-E16F-4769-AE38-C6AA5519A84D}"/>
               </a:ext>
             </a:extLst>
           </p:cNvPr>
           <p:cNvCxnSpPr>
             <a:cxnSpLocks/>
-            <a:stCxn id="4" idx="2"/>
-            <a:endCxn id="5" idx="0"/>
+            <a:stCxn id="7" idx="3"/>
+            <a:endCxn id="10" idx="1"/>
           </p:cNvCxnSpPr>
           <p:nvPr/>
         </p:nvCxnSpPr>
         <p:spPr>
-          <a:xfrm rot="16200000" flipH="1">
-            <a:off x="996757" y="1912409"/>
-            <a:ext cx="418144" cy="1"/>
-          </a:xfrm>
-          <a:prstGeom prst="bentConnector3">
-            <a:avLst>
-              <a:gd name="adj1" fmla="val 50000"/>
-            </a:avLst>
+          <a:xfrm flipV="1">
+            <a:off x="3270154" y="1911723"/>
+            <a:ext cx="866829" cy="758976"/>
+          </a:xfrm>
+          <a:prstGeom prst="straightConnector1">
+            <a:avLst/>
           </a:prstGeom>
           <a:ln>
             <a:tailEnd type="triangle"/>
@@ -3843,29 +4209,266 @@
       </p:cxnSp>
       <p:cxnSp>
         <p:nvCxnSpPr>
-          <p:cNvPr id="69" name="Connector: Elbow 68">
+          <p:cNvPr id="45" name="Connector: Elbow 44">
             <a:extLst>
               <a:ext uri="{FF2B5EF4-FFF2-40B4-BE49-F238E27FC236}">
-                <a16:creationId xmlns:a16="http://schemas.microsoft.com/office/drawing/2014/main" id="{CB7D5606-6831-4E76-B13E-4AC344826A27}"/>
+                <a16:creationId xmlns:a16="http://schemas.microsoft.com/office/drawing/2014/main" id="{CB71A611-3A61-496E-AACA-76F0C2076F1E}"/>
               </a:ext>
             </a:extLst>
           </p:cNvPr>
           <p:cNvCxnSpPr>
             <a:cxnSpLocks/>
-            <a:stCxn id="5" idx="2"/>
-            <a:endCxn id="6" idx="0"/>
+            <a:stCxn id="16" idx="3"/>
+            <a:endCxn id="18" idx="1"/>
           </p:cNvCxnSpPr>
           <p:nvPr/>
         </p:nvCxnSpPr>
         <p:spPr>
-          <a:xfrm rot="5400000">
-            <a:off x="985661" y="2641733"/>
-            <a:ext cx="440338" cy="12700"/>
+          <a:xfrm flipV="1">
+            <a:off x="5276401" y="3388262"/>
+            <a:ext cx="1015137" cy="1996520"/>
           </a:xfrm>
           <a:prstGeom prst="bentConnector3">
             <a:avLst>
-              <a:gd name="adj1" fmla="val 50000"/>
+              <a:gd name="adj1" fmla="val 64547"/>
             </a:avLst>
+          </a:prstGeom>
+          <a:ln>
+            <a:tailEnd type="triangle"/>
+          </a:ln>
+        </p:spPr>
+        <p:style>
+          <a:lnRef idx="1">
+            <a:schemeClr val="accent1"/>
+          </a:lnRef>
+          <a:fillRef idx="0">
+            <a:schemeClr val="accent1"/>
+          </a:fillRef>
+          <a:effectRef idx="0">
+            <a:schemeClr val="accent1"/>
+          </a:effectRef>
+          <a:fontRef idx="minor">
+            <a:schemeClr val="tx1"/>
+          </a:fontRef>
+        </p:style>
+      </p:cxnSp>
+      <p:sp>
+        <p:nvSpPr>
+          <p:cNvPr id="65" name="TextBox 64">
+            <a:extLst>
+              <a:ext uri="{FF2B5EF4-FFF2-40B4-BE49-F238E27FC236}">
+                <a16:creationId xmlns:a16="http://schemas.microsoft.com/office/drawing/2014/main" id="{4046550D-3B88-45A1-BD04-0A70E31659DB}"/>
+              </a:ext>
+            </a:extLst>
+          </p:cNvPr>
+          <p:cNvSpPr txBox="1"/>
+          <p:nvPr/>
+        </p:nvSpPr>
+        <p:spPr>
+          <a:xfrm>
+            <a:off x="609216" y="130659"/>
+            <a:ext cx="1473673" cy="300082"/>
+          </a:xfrm>
+          <a:prstGeom prst="rect">
+            <a:avLst/>
+          </a:prstGeom>
+          <a:noFill/>
+          <a:ln>
+            <a:noFill/>
+          </a:ln>
+        </p:spPr>
+        <p:txBody>
+          <a:bodyPr wrap="none" rtlCol="0">
+            <a:spAutoFit/>
+          </a:bodyPr>
+          <a:lstStyle/>
+          <a:p>
+            <a:r>
+              <a:rPr lang="en-US" sz="1350" b="1" dirty="0"/>
+              <a:t>Staging/Diagnosis</a:t>
+            </a:r>
+          </a:p>
+        </p:txBody>
+      </p:sp>
+      <p:sp>
+        <p:nvSpPr>
+          <p:cNvPr id="67" name="TextBox 66">
+            <a:extLst>
+              <a:ext uri="{FF2B5EF4-FFF2-40B4-BE49-F238E27FC236}">
+                <a16:creationId xmlns:a16="http://schemas.microsoft.com/office/drawing/2014/main" id="{A59FABEE-888B-41B2-9009-885D5E8CC4E9}"/>
+              </a:ext>
+            </a:extLst>
+          </p:cNvPr>
+          <p:cNvSpPr txBox="1"/>
+          <p:nvPr/>
+        </p:nvSpPr>
+        <p:spPr>
+          <a:xfrm>
+            <a:off x="6874851" y="177764"/>
+            <a:ext cx="758541" cy="300082"/>
+          </a:xfrm>
+          <a:prstGeom prst="rect">
+            <a:avLst/>
+          </a:prstGeom>
+          <a:noFill/>
+          <a:ln>
+            <a:noFill/>
+          </a:ln>
+        </p:spPr>
+        <p:txBody>
+          <a:bodyPr wrap="none" rtlCol="0">
+            <a:spAutoFit/>
+          </a:bodyPr>
+          <a:lstStyle/>
+          <a:p>
+            <a:r>
+              <a:rPr lang="en-US" sz="1350" b="1" dirty="0"/>
+              <a:t>Support</a:t>
+            </a:r>
+          </a:p>
+        </p:txBody>
+      </p:sp>
+      <p:sp>
+        <p:nvSpPr>
+          <p:cNvPr id="68" name="TextBox 67">
+            <a:extLst>
+              <a:ext uri="{FF2B5EF4-FFF2-40B4-BE49-F238E27FC236}">
+                <a16:creationId xmlns:a16="http://schemas.microsoft.com/office/drawing/2014/main" id="{7D7B6B2F-D4F7-4105-ADB6-17153DC22EAA}"/>
+              </a:ext>
+            </a:extLst>
+          </p:cNvPr>
+          <p:cNvSpPr txBox="1"/>
+          <p:nvPr/>
+        </p:nvSpPr>
+        <p:spPr>
+          <a:xfrm>
+            <a:off x="4527449" y="208450"/>
+            <a:ext cx="927305" cy="300082"/>
+          </a:xfrm>
+          <a:prstGeom prst="rect">
+            <a:avLst/>
+          </a:prstGeom>
+          <a:noFill/>
+          <a:ln>
+            <a:noFill/>
+          </a:ln>
+        </p:spPr>
+        <p:txBody>
+          <a:bodyPr wrap="none" rtlCol="0">
+            <a:spAutoFit/>
+          </a:bodyPr>
+          <a:lstStyle/>
+          <a:p>
+            <a:r>
+              <a:rPr lang="en-US" sz="1350" b="1" dirty="0"/>
+              <a:t>Treatment</a:t>
+            </a:r>
+          </a:p>
+        </p:txBody>
+      </p:sp>
+      <p:sp>
+        <p:nvSpPr>
+          <p:cNvPr id="78" name="TextBox 77">
+            <a:extLst>
+              <a:ext uri="{FF2B5EF4-FFF2-40B4-BE49-F238E27FC236}">
+                <a16:creationId xmlns:a16="http://schemas.microsoft.com/office/drawing/2014/main" id="{E8576477-6C77-4839-B9C5-9A7774E65F03}"/>
+              </a:ext>
+            </a:extLst>
+          </p:cNvPr>
+          <p:cNvSpPr txBox="1"/>
+          <p:nvPr/>
+        </p:nvSpPr>
+        <p:spPr>
+          <a:xfrm>
+            <a:off x="7413092" y="3238221"/>
+            <a:ext cx="1421736" cy="300082"/>
+          </a:xfrm>
+          <a:prstGeom prst="rect">
+            <a:avLst/>
+          </a:prstGeom>
+          <a:noFill/>
+          <a:ln>
+            <a:solidFill>
+              <a:schemeClr val="accent1"/>
+            </a:solidFill>
+          </a:ln>
+        </p:spPr>
+        <p:txBody>
+          <a:bodyPr wrap="none" rtlCol="0">
+            <a:spAutoFit/>
+          </a:bodyPr>
+          <a:lstStyle/>
+          <a:p>
+            <a:r>
+              <a:rPr lang="en-US" sz="1350" dirty="0"/>
+              <a:t>XX-Feeding Tubes</a:t>
+            </a:r>
+          </a:p>
+        </p:txBody>
+      </p:sp>
+      <p:sp>
+        <p:nvSpPr>
+          <p:cNvPr id="83" name="TextBox 82">
+            <a:extLst>
+              <a:ext uri="{FF2B5EF4-FFF2-40B4-BE49-F238E27FC236}">
+                <a16:creationId xmlns:a16="http://schemas.microsoft.com/office/drawing/2014/main" id="{6F5987DC-1FC8-4C2C-B423-456B83F803A4}"/>
+              </a:ext>
+            </a:extLst>
+          </p:cNvPr>
+          <p:cNvSpPr txBox="1"/>
+          <p:nvPr/>
+        </p:nvSpPr>
+        <p:spPr>
+          <a:xfrm>
+            <a:off x="1377253" y="455586"/>
+            <a:ext cx="1536254" cy="300082"/>
+          </a:xfrm>
+          <a:prstGeom prst="rect">
+            <a:avLst/>
+          </a:prstGeom>
+          <a:noFill/>
+          <a:ln>
+            <a:solidFill>
+              <a:schemeClr val="accent1"/>
+            </a:solidFill>
+          </a:ln>
+        </p:spPr>
+        <p:txBody>
+          <a:bodyPr wrap="none" rtlCol="0">
+            <a:spAutoFit/>
+          </a:bodyPr>
+          <a:lstStyle/>
+          <a:p>
+            <a:r>
+              <a:rPr lang="en-US" sz="1350" dirty="0"/>
+              <a:t>015-Eso-Symptoms</a:t>
+            </a:r>
+          </a:p>
+        </p:txBody>
+      </p:sp>
+      <p:cxnSp>
+        <p:nvCxnSpPr>
+          <p:cNvPr id="84" name="Connector: Elbow 49">
+            <a:extLst>
+              <a:ext uri="{FF2B5EF4-FFF2-40B4-BE49-F238E27FC236}">
+                <a16:creationId xmlns:a16="http://schemas.microsoft.com/office/drawing/2014/main" id="{A035A45B-DB78-4D23-A038-A79F29BEB803}"/>
+              </a:ext>
+            </a:extLst>
+          </p:cNvPr>
+          <p:cNvCxnSpPr>
+            <a:cxnSpLocks/>
+            <a:stCxn id="83" idx="2"/>
+            <a:endCxn id="5" idx="0"/>
+          </p:cNvCxnSpPr>
+          <p:nvPr/>
+        </p:nvCxnSpPr>
+        <p:spPr>
+          <a:xfrm flipH="1">
+            <a:off x="1056245" y="755668"/>
+            <a:ext cx="1089135" cy="476669"/>
+          </a:xfrm>
+          <a:prstGeom prst="straightConnector1">
+            <a:avLst/>
           </a:prstGeom>
           <a:ln>
             <a:tailEnd type="triangle"/>
@@ -3888,29 +4491,27 @@
       </p:cxnSp>
       <p:cxnSp>
         <p:nvCxnSpPr>
-          <p:cNvPr id="79" name="Connector: Elbow 78">
+          <p:cNvPr id="87" name="Connector: Elbow 49">
             <a:extLst>
               <a:ext uri="{FF2B5EF4-FFF2-40B4-BE49-F238E27FC236}">
-                <a16:creationId xmlns:a16="http://schemas.microsoft.com/office/drawing/2014/main" id="{A5C179F2-E17E-40FB-8008-0DFCBB46FABE}"/>
+                <a16:creationId xmlns:a16="http://schemas.microsoft.com/office/drawing/2014/main" id="{AC212AA1-810B-4510-BA78-02F56112F41F}"/>
               </a:ext>
             </a:extLst>
           </p:cNvPr>
           <p:cNvCxnSpPr>
             <a:cxnSpLocks/>
-            <a:stCxn id="14" idx="0"/>
-            <a:endCxn id="10" idx="2"/>
+            <a:stCxn id="4" idx="2"/>
+            <a:endCxn id="5" idx="0"/>
           </p:cNvCxnSpPr>
           <p:nvPr/>
         </p:nvCxnSpPr>
         <p:spPr>
-          <a:xfrm rot="16200000" flipV="1">
-            <a:off x="4413126" y="2153092"/>
-            <a:ext cx="837395" cy="422189"/>
-          </a:xfrm>
-          <a:prstGeom prst="bentConnector3">
-            <a:avLst>
-              <a:gd name="adj1" fmla="val 50000"/>
-            </a:avLst>
+          <a:xfrm>
+            <a:off x="728794" y="774131"/>
+            <a:ext cx="327451" cy="458206"/>
+          </a:xfrm>
+          <a:prstGeom prst="straightConnector1">
+            <a:avLst/>
           </a:prstGeom>
           <a:ln>
             <a:tailEnd type="triangle"/>
@@ -3933,29 +4534,27 @@
       </p:cxnSp>
       <p:cxnSp>
         <p:nvCxnSpPr>
-          <p:cNvPr id="85" name="Connector: Elbow 84">
+          <p:cNvPr id="94" name="Straight Arrow Connector 93">
             <a:extLst>
               <a:ext uri="{FF2B5EF4-FFF2-40B4-BE49-F238E27FC236}">
-                <a16:creationId xmlns:a16="http://schemas.microsoft.com/office/drawing/2014/main" id="{B9ED5640-CB85-4EC4-9C07-22847C25ED45}"/>
+                <a16:creationId xmlns:a16="http://schemas.microsoft.com/office/drawing/2014/main" id="{36B1369E-F08C-4D98-9D7E-88492302FFD2}"/>
               </a:ext>
             </a:extLst>
           </p:cNvPr>
           <p:cNvCxnSpPr>
             <a:cxnSpLocks/>
-            <a:stCxn id="10" idx="3"/>
-            <a:endCxn id="11" idx="1"/>
+            <a:stCxn id="5" idx="2"/>
+            <a:endCxn id="35" idx="0"/>
           </p:cNvCxnSpPr>
           <p:nvPr/>
         </p:nvCxnSpPr>
         <p:spPr>
-          <a:xfrm flipV="1">
-            <a:off x="5261416" y="1781259"/>
-            <a:ext cx="1892358" cy="14189"/>
-          </a:xfrm>
-          <a:prstGeom prst="bentConnector3">
-            <a:avLst>
-              <a:gd name="adj1" fmla="val 50000"/>
-            </a:avLst>
+          <a:xfrm flipH="1">
+            <a:off x="1056244" y="1740168"/>
+            <a:ext cx="1" cy="343110"/>
+          </a:xfrm>
+          <a:prstGeom prst="straightConnector1">
+            <a:avLst/>
           </a:prstGeom>
           <a:ln>
             <a:tailEnd type="triangle"/>
@@ -3976,147 +4575,28 @@
           </a:fontRef>
         </p:style>
       </p:cxnSp>
-      <p:sp>
-        <p:nvSpPr>
-          <p:cNvPr id="102" name="TextBox 101">
+      <p:cxnSp>
+        <p:nvCxnSpPr>
+          <p:cNvPr id="119" name="Straight Arrow Connector 118">
             <a:extLst>
               <a:ext uri="{FF2B5EF4-FFF2-40B4-BE49-F238E27FC236}">
-                <a16:creationId xmlns:a16="http://schemas.microsoft.com/office/drawing/2014/main" id="{A3B3B90E-3560-4944-B416-BCAEADF5C367}"/>
-              </a:ext>
-            </a:extLst>
-          </p:cNvPr>
-          <p:cNvSpPr txBox="1"/>
-          <p:nvPr/>
-        </p:nvSpPr>
-        <p:spPr>
-          <a:xfrm>
-            <a:off x="420636" y="4544145"/>
-            <a:ext cx="1039580" cy="300082"/>
-          </a:xfrm>
-          <a:prstGeom prst="rect">
-            <a:avLst/>
-          </a:prstGeom>
-          <a:noFill/>
-          <a:ln>
-            <a:solidFill>
-              <a:schemeClr val="accent1"/>
-            </a:solidFill>
-          </a:ln>
-        </p:spPr>
-        <p:txBody>
-          <a:bodyPr wrap="none" rtlCol="0">
-            <a:spAutoFit/>
-          </a:bodyPr>
-          <a:lstStyle/>
-          <a:p>
-            <a:r>
-              <a:rPr lang="en-US" sz="1350" dirty="0"/>
-              <a:t>The Journey</a:t>
-            </a:r>
-          </a:p>
-        </p:txBody>
-      </p:sp>
-      <p:sp>
-        <p:nvSpPr>
-          <p:cNvPr id="103" name="TextBox 102">
-            <a:extLst>
-              <a:ext uri="{FF2B5EF4-FFF2-40B4-BE49-F238E27FC236}">
-                <a16:creationId xmlns:a16="http://schemas.microsoft.com/office/drawing/2014/main" id="{0E3C4382-20C2-43CA-A990-B05BCE6C5053}"/>
-              </a:ext>
-            </a:extLst>
-          </p:cNvPr>
-          <p:cNvSpPr txBox="1"/>
-          <p:nvPr/>
-        </p:nvSpPr>
-        <p:spPr>
-          <a:xfrm>
-            <a:off x="420637" y="4846873"/>
-            <a:ext cx="748923" cy="300082"/>
-          </a:xfrm>
-          <a:prstGeom prst="rect">
-            <a:avLst/>
-          </a:prstGeom>
-          <a:noFill/>
-          <a:ln>
-            <a:solidFill>
-              <a:schemeClr val="accent1"/>
-            </a:solidFill>
-          </a:ln>
-        </p:spPr>
-        <p:txBody>
-          <a:bodyPr wrap="none" rtlCol="0">
-            <a:spAutoFit/>
-          </a:bodyPr>
-          <a:lstStyle/>
-          <a:p>
-            <a:r>
-              <a:rPr lang="en-US" sz="1350" dirty="0"/>
-              <a:t>Support</a:t>
-            </a:r>
-          </a:p>
-        </p:txBody>
-      </p:sp>
-      <p:sp>
-        <p:nvSpPr>
-          <p:cNvPr id="104" name="TextBox 103">
-            <a:extLst>
-              <a:ext uri="{FF2B5EF4-FFF2-40B4-BE49-F238E27FC236}">
-                <a16:creationId xmlns:a16="http://schemas.microsoft.com/office/drawing/2014/main" id="{0EA634EA-47EA-4937-A08B-BB5C070EB1BA}"/>
-              </a:ext>
-            </a:extLst>
-          </p:cNvPr>
-          <p:cNvSpPr txBox="1"/>
-          <p:nvPr/>
-        </p:nvSpPr>
-        <p:spPr>
-          <a:xfrm>
-            <a:off x="420636" y="5149600"/>
-            <a:ext cx="1607299" cy="300082"/>
-          </a:xfrm>
-          <a:prstGeom prst="rect">
-            <a:avLst/>
-          </a:prstGeom>
-          <a:noFill/>
-          <a:ln>
-            <a:solidFill>
-              <a:schemeClr val="accent1"/>
-            </a:solidFill>
-          </a:ln>
-        </p:spPr>
-        <p:txBody>
-          <a:bodyPr wrap="none" rtlCol="0">
-            <a:spAutoFit/>
-          </a:bodyPr>
-          <a:lstStyle/>
-          <a:p>
-            <a:r>
-              <a:rPr lang="en-US" sz="1350" dirty="0"/>
-              <a:t>Information Sources</a:t>
-            </a:r>
-          </a:p>
-        </p:txBody>
-      </p:sp>
-      <p:cxnSp>
-        <p:nvCxnSpPr>
-          <p:cNvPr id="24" name="Connector: Elbow 23">
-            <a:extLst>
-              <a:ext uri="{FF2B5EF4-FFF2-40B4-BE49-F238E27FC236}">
-                <a16:creationId xmlns:a16="http://schemas.microsoft.com/office/drawing/2014/main" id="{51BD69EE-A415-4C7A-9380-BF9BE2D634B9}"/>
+                <a16:creationId xmlns:a16="http://schemas.microsoft.com/office/drawing/2014/main" id="{C583AA99-2382-40C0-9F02-DD797900A223}"/>
               </a:ext>
             </a:extLst>
           </p:cNvPr>
           <p:cNvCxnSpPr>
             <a:cxnSpLocks/>
-            <a:endCxn id="10" idx="1"/>
+            <a:stCxn id="14" idx="0"/>
+            <a:endCxn id="10" idx="2"/>
           </p:cNvCxnSpPr>
           <p:nvPr/>
         </p:nvCxnSpPr>
         <p:spPr>
           <a:xfrm flipV="1">
-            <a:off x="3562201" y="1795448"/>
-            <a:ext cx="417839" cy="1710"/>
-          </a:xfrm>
-          <a:prstGeom prst="bentConnector3">
+            <a:off x="4777671" y="2061764"/>
+            <a:ext cx="0" cy="2254177"/>
+          </a:xfrm>
+          <a:prstGeom prst="straightConnector1">
             <a:avLst/>
           </a:prstGeom>
           <a:ln>
@@ -4138,90 +4618,136 @@
           </a:fontRef>
         </p:style>
       </p:cxnSp>
-      <p:sp>
-        <p:nvSpPr>
-          <p:cNvPr id="46" name="TextBox 45">
+      <p:cxnSp>
+        <p:nvCxnSpPr>
+          <p:cNvPr id="123" name="Straight Arrow Connector 122">
             <a:extLst>
               <a:ext uri="{FF2B5EF4-FFF2-40B4-BE49-F238E27FC236}">
-                <a16:creationId xmlns:a16="http://schemas.microsoft.com/office/drawing/2014/main" id="{388DC23E-30BA-4C60-9E12-B4A363AD95A5}"/>
+                <a16:creationId xmlns:a16="http://schemas.microsoft.com/office/drawing/2014/main" id="{99C12838-96C9-4892-8A46-C3C4773B0DCE}"/>
               </a:ext>
             </a:extLst>
           </p:cNvPr>
-          <p:cNvSpPr txBox="1"/>
+          <p:cNvCxnSpPr>
+            <a:cxnSpLocks/>
+            <a:stCxn id="10" idx="0"/>
+            <a:endCxn id="13" idx="2"/>
+          </p:cNvCxnSpPr>
           <p:nvPr/>
-        </p:nvSpPr>
-        <p:spPr>
-          <a:xfrm>
-            <a:off x="4226492" y="4691501"/>
-            <a:ext cx="1459502" cy="300082"/>
-          </a:xfrm>
-          <a:prstGeom prst="rect">
+        </p:nvCxnSpPr>
+        <p:spPr>
+          <a:xfrm flipV="1">
+            <a:off x="4777671" y="1451771"/>
+            <a:ext cx="1" cy="309911"/>
+          </a:xfrm>
+          <a:prstGeom prst="straightConnector1">
             <a:avLst/>
           </a:prstGeom>
-          <a:noFill/>
           <a:ln>
-            <a:solidFill>
-              <a:schemeClr val="accent1"/>
-            </a:solidFill>
+            <a:tailEnd type="triangle"/>
           </a:ln>
         </p:spPr>
-        <p:txBody>
-          <a:bodyPr wrap="none" rtlCol="0">
-            <a:spAutoFit/>
-          </a:bodyPr>
-          <a:lstStyle/>
-          <a:p>
-            <a:r>
-              <a:rPr lang="en-US" sz="1350" dirty="0"/>
-              <a:t>40-Chemotherapy</a:t>
-            </a:r>
-          </a:p>
-        </p:txBody>
-      </p:sp>
-      <p:sp>
-        <p:nvSpPr>
-          <p:cNvPr id="47" name="TextBox 46">
+        <p:style>
+          <a:lnRef idx="1">
+            <a:schemeClr val="accent1"/>
+          </a:lnRef>
+          <a:fillRef idx="0">
+            <a:schemeClr val="accent1"/>
+          </a:fillRef>
+          <a:effectRef idx="0">
+            <a:schemeClr val="accent1"/>
+          </a:effectRef>
+          <a:fontRef idx="minor">
+            <a:schemeClr val="tx1"/>
+          </a:fontRef>
+        </p:style>
+      </p:cxnSp>
+      <p:cxnSp>
+        <p:nvCxnSpPr>
+          <p:cNvPr id="127" name="Straight Arrow Connector 126">
             <a:extLst>
               <a:ext uri="{FF2B5EF4-FFF2-40B4-BE49-F238E27FC236}">
-                <a16:creationId xmlns:a16="http://schemas.microsoft.com/office/drawing/2014/main" id="{8C8337FE-F416-4D0F-AD72-FE6BB6E39710}"/>
+                <a16:creationId xmlns:a16="http://schemas.microsoft.com/office/drawing/2014/main" id="{752872E6-36F0-4A67-81A0-DBFE4995C251}"/>
               </a:ext>
             </a:extLst>
           </p:cNvPr>
-          <p:cNvSpPr txBox="1"/>
+          <p:cNvCxnSpPr>
+            <a:stCxn id="16" idx="2"/>
+            <a:endCxn id="46" idx="0"/>
+          </p:cNvCxnSpPr>
           <p:nvPr/>
-        </p:nvSpPr>
-        <p:spPr>
-          <a:xfrm>
-            <a:off x="420636" y="5454973"/>
-            <a:ext cx="863121" cy="300082"/>
-          </a:xfrm>
-          <a:prstGeom prst="rect">
+        </p:nvCxnSpPr>
+        <p:spPr>
+          <a:xfrm>
+            <a:off x="4531197" y="5534823"/>
+            <a:ext cx="0" cy="285200"/>
+          </a:xfrm>
+          <a:prstGeom prst="straightConnector1">
             <a:avLst/>
           </a:prstGeom>
-          <a:noFill/>
           <a:ln>
-            <a:solidFill>
-              <a:schemeClr val="accent1"/>
-            </a:solidFill>
+            <a:headEnd type="triangle"/>
+            <a:tailEnd type="triangle"/>
           </a:ln>
         </p:spPr>
-        <p:txBody>
-          <a:bodyPr wrap="none" rtlCol="0">
-            <a:spAutoFit/>
-          </a:bodyPr>
-          <a:lstStyle/>
-          <a:p>
-            <a:r>
-              <a:rPr lang="en-US" sz="1350" dirty="0"/>
-              <a:t>Prognosis</a:t>
-            </a:r>
-          </a:p>
-        </p:txBody>
-      </p:sp>
+        <p:style>
+          <a:lnRef idx="1">
+            <a:schemeClr val="accent1"/>
+          </a:lnRef>
+          <a:fillRef idx="0">
+            <a:schemeClr val="accent1"/>
+          </a:fillRef>
+          <a:effectRef idx="0">
+            <a:schemeClr val="accent1"/>
+          </a:effectRef>
+          <a:fontRef idx="minor">
+            <a:schemeClr val="tx1"/>
+          </a:fontRef>
+        </p:style>
+      </p:cxnSp>
+      <p:cxnSp>
+        <p:nvCxnSpPr>
+          <p:cNvPr id="128" name="Straight Arrow Connector 127">
+            <a:extLst>
+              <a:ext uri="{FF2B5EF4-FFF2-40B4-BE49-F238E27FC236}">
+                <a16:creationId xmlns:a16="http://schemas.microsoft.com/office/drawing/2014/main" id="{116FD506-76CB-4080-B905-8197F7E61DEB}"/>
+              </a:ext>
+            </a:extLst>
+          </p:cNvPr>
+          <p:cNvCxnSpPr/>
+          <p:nvPr/>
+        </p:nvCxnSpPr>
+        <p:spPr>
+          <a:xfrm>
+            <a:off x="4518208" y="6120105"/>
+            <a:ext cx="9241" cy="285200"/>
+          </a:xfrm>
+          <a:prstGeom prst="straightConnector1">
+            <a:avLst/>
+          </a:prstGeom>
+          <a:ln>
+            <a:headEnd type="triangle"/>
+            <a:tailEnd type="triangle"/>
+          </a:ln>
+        </p:spPr>
+        <p:style>
+          <a:lnRef idx="1">
+            <a:schemeClr val="accent1"/>
+          </a:lnRef>
+          <a:fillRef idx="0">
+            <a:schemeClr val="accent1"/>
+          </a:fillRef>
+          <a:effectRef idx="0">
+            <a:schemeClr val="accent1"/>
+          </a:effectRef>
+          <a:fontRef idx="minor">
+            <a:schemeClr val="tx1"/>
+          </a:fontRef>
+        </p:style>
+      </p:cxnSp>
     </p:spTree>
     <p:extLst>
       <p:ext uri="{BB962C8B-B14F-4D97-AF65-F5344CB8AC3E}">
-        <p14:creationId xmlns:p14="http://schemas.microsoft.com/office/powerpoint/2010/main" val="1453952215"/>
+        <p14:creationId xmlns:p14="http://schemas.microsoft.com/office/powerpoint/2010/main" val="1054798396"/>
       </p:ext>
     </p:extLst>
   </p:cSld>

--- a/plan_overview.pptx
+++ b/plan_overview.pptx
@@ -243,7 +243,7 @@
           <a:p>
             <a:fld id="{320965FB-FE1C-4DA5-BFA1-80A1042A565F}" type="datetimeFigureOut">
               <a:rPr lang="en-US" smtClean="0"/>
-              <a:t>1/15/2022</a:t>
+              <a:t>3/24/2022</a:t>
             </a:fld>
             <a:endParaRPr lang="en-US"/>
           </a:p>
@@ -413,7 +413,7 @@
           <a:p>
             <a:fld id="{320965FB-FE1C-4DA5-BFA1-80A1042A565F}" type="datetimeFigureOut">
               <a:rPr lang="en-US" smtClean="0"/>
-              <a:t>1/15/2022</a:t>
+              <a:t>3/24/2022</a:t>
             </a:fld>
             <a:endParaRPr lang="en-US"/>
           </a:p>
@@ -593,7 +593,7 @@
           <a:p>
             <a:fld id="{320965FB-FE1C-4DA5-BFA1-80A1042A565F}" type="datetimeFigureOut">
               <a:rPr lang="en-US" smtClean="0"/>
-              <a:t>1/15/2022</a:t>
+              <a:t>3/24/2022</a:t>
             </a:fld>
             <a:endParaRPr lang="en-US"/>
           </a:p>
@@ -763,7 +763,7 @@
           <a:p>
             <a:fld id="{320965FB-FE1C-4DA5-BFA1-80A1042A565F}" type="datetimeFigureOut">
               <a:rPr lang="en-US" smtClean="0"/>
-              <a:t>1/15/2022</a:t>
+              <a:t>3/24/2022</a:t>
             </a:fld>
             <a:endParaRPr lang="en-US"/>
           </a:p>
@@ -1007,7 +1007,7 @@
           <a:p>
             <a:fld id="{320965FB-FE1C-4DA5-BFA1-80A1042A565F}" type="datetimeFigureOut">
               <a:rPr lang="en-US" smtClean="0"/>
-              <a:t>1/15/2022</a:t>
+              <a:t>3/24/2022</a:t>
             </a:fld>
             <a:endParaRPr lang="en-US"/>
           </a:p>
@@ -1239,7 +1239,7 @@
           <a:p>
             <a:fld id="{320965FB-FE1C-4DA5-BFA1-80A1042A565F}" type="datetimeFigureOut">
               <a:rPr lang="en-US" smtClean="0"/>
-              <a:t>1/15/2022</a:t>
+              <a:t>3/24/2022</a:t>
             </a:fld>
             <a:endParaRPr lang="en-US"/>
           </a:p>
@@ -1606,7 +1606,7 @@
           <a:p>
             <a:fld id="{320965FB-FE1C-4DA5-BFA1-80A1042A565F}" type="datetimeFigureOut">
               <a:rPr lang="en-US" smtClean="0"/>
-              <a:t>1/15/2022</a:t>
+              <a:t>3/24/2022</a:t>
             </a:fld>
             <a:endParaRPr lang="en-US"/>
           </a:p>
@@ -1724,7 +1724,7 @@
           <a:p>
             <a:fld id="{320965FB-FE1C-4DA5-BFA1-80A1042A565F}" type="datetimeFigureOut">
               <a:rPr lang="en-US" smtClean="0"/>
-              <a:t>1/15/2022</a:t>
+              <a:t>3/24/2022</a:t>
             </a:fld>
             <a:endParaRPr lang="en-US"/>
           </a:p>
@@ -1819,7 +1819,7 @@
           <a:p>
             <a:fld id="{320965FB-FE1C-4DA5-BFA1-80A1042A565F}" type="datetimeFigureOut">
               <a:rPr lang="en-US" smtClean="0"/>
-              <a:t>1/15/2022</a:t>
+              <a:t>3/24/2022</a:t>
             </a:fld>
             <a:endParaRPr lang="en-US"/>
           </a:p>
@@ -2096,7 +2096,7 @@
           <a:p>
             <a:fld id="{320965FB-FE1C-4DA5-BFA1-80A1042A565F}" type="datetimeFigureOut">
               <a:rPr lang="en-US" smtClean="0"/>
-              <a:t>1/15/2022</a:t>
+              <a:t>3/24/2022</a:t>
             </a:fld>
             <a:endParaRPr lang="en-US"/>
           </a:p>
@@ -2353,7 +2353,7 @@
           <a:p>
             <a:fld id="{320965FB-FE1C-4DA5-BFA1-80A1042A565F}" type="datetimeFigureOut">
               <a:rPr lang="en-US" smtClean="0"/>
-              <a:t>1/15/2022</a:t>
+              <a:t>3/24/2022</a:t>
             </a:fld>
             <a:endParaRPr lang="en-US"/>
           </a:p>
@@ -2566,7 +2566,7 @@
           <a:p>
             <a:fld id="{320965FB-FE1C-4DA5-BFA1-80A1042A565F}" type="datetimeFigureOut">
               <a:rPr lang="en-US" smtClean="0"/>
-              <a:t>1/15/2022</a:t>
+              <a:t>3/24/2022</a:t>
             </a:fld>
             <a:endParaRPr lang="en-US"/>
           </a:p>
@@ -3224,7 +3224,7 @@
         </p:nvSpPr>
         <p:spPr>
           <a:xfrm>
-            <a:off x="4136983" y="1761682"/>
+            <a:off x="4136983" y="1762435"/>
             <a:ext cx="1281376" cy="300082"/>
           </a:xfrm>
           <a:prstGeom prst="rect">
@@ -3264,7 +3264,7 @@
         </p:nvSpPr>
         <p:spPr>
           <a:xfrm>
-            <a:off x="6156270" y="1510651"/>
+            <a:off x="5976777" y="1762435"/>
             <a:ext cx="982257" cy="300082"/>
           </a:xfrm>
           <a:prstGeom prst="rect">
@@ -3304,7 +3304,7 @@
         </p:nvSpPr>
         <p:spPr>
           <a:xfrm>
-            <a:off x="4273517" y="558966"/>
+            <a:off x="4430461" y="558966"/>
             <a:ext cx="694421" cy="300082"/>
           </a:xfrm>
           <a:prstGeom prst="rect">
@@ -3384,7 +3384,7 @@
         </p:nvSpPr>
         <p:spPr>
           <a:xfrm>
-            <a:off x="3776820" y="4315941"/>
+            <a:off x="3776819" y="3256577"/>
             <a:ext cx="2001702" cy="300082"/>
           </a:xfrm>
           <a:prstGeom prst="rect">
@@ -3404,12 +3404,8 @@
           <a:lstStyle/>
           <a:p>
             <a:r>
-              <a:rPr lang="en-US" sz="1350"/>
-              <a:t>13-Eso</a:t>
-            </a:r>
-            <a:r>
               <a:rPr lang="en-US" sz="1350" dirty="0"/>
-              <a:t>_Locally_Advanced</a:t>
+              <a:t>14-Eso_Locally_Advanced</a:t>
             </a:r>
           </a:p>
         </p:txBody>
@@ -3428,7 +3424,7 @@
         </p:nvSpPr>
         <p:spPr>
           <a:xfrm>
-            <a:off x="3785993" y="5234741"/>
+            <a:off x="4032467" y="6004385"/>
             <a:ext cx="1490408" cy="300082"/>
           </a:xfrm>
           <a:prstGeom prst="rect">
@@ -3468,7 +3464,7 @@
         </p:nvSpPr>
         <p:spPr>
           <a:xfrm>
-            <a:off x="4176100" y="6420187"/>
+            <a:off x="8367962" y="4624955"/>
             <a:ext cx="710194" cy="300082"/>
           </a:xfrm>
           <a:prstGeom prst="rect">
@@ -3508,8 +3504,8 @@
         </p:nvSpPr>
         <p:spPr>
           <a:xfrm>
-            <a:off x="6291538" y="3238221"/>
-            <a:ext cx="1056700" cy="300082"/>
+            <a:off x="7217721" y="1762435"/>
+            <a:ext cx="1169039" cy="300082"/>
           </a:xfrm>
           <a:prstGeom prst="rect">
             <a:avLst/>
@@ -3522,7 +3518,7 @@
           </a:ln>
         </p:spPr>
         <p:txBody>
-          <a:bodyPr wrap="none" rtlCol="0">
+          <a:bodyPr wrap="square" rtlCol="0">
             <a:spAutoFit/>
           </a:bodyPr>
           <a:lstStyle/>
@@ -3548,7 +3544,7 @@
         </p:nvSpPr>
         <p:spPr>
           <a:xfrm>
-            <a:off x="7489622" y="2636745"/>
+            <a:off x="6082411" y="3671783"/>
             <a:ext cx="1304844" cy="300082"/>
           </a:xfrm>
           <a:prstGeom prst="rect">
@@ -3588,7 +3584,7 @@
         </p:nvSpPr>
         <p:spPr>
           <a:xfrm>
-            <a:off x="7497701" y="3852700"/>
+            <a:off x="7559336" y="3687557"/>
             <a:ext cx="1296765" cy="300082"/>
           </a:xfrm>
           <a:prstGeom prst="rect">
@@ -3628,7 +3624,7 @@
         </p:nvSpPr>
         <p:spPr>
           <a:xfrm>
-            <a:off x="6125628" y="535530"/>
+            <a:off x="6641836" y="705224"/>
             <a:ext cx="1582100" cy="300082"/>
           </a:xfrm>
           <a:prstGeom prst="rect">
@@ -3762,8 +3758,8 @@
         </p:nvCxnSpPr>
         <p:spPr>
           <a:xfrm flipV="1">
-            <a:off x="3611527" y="4465982"/>
-            <a:ext cx="165293" cy="614447"/>
+            <a:off x="3611527" y="3406618"/>
+            <a:ext cx="165292" cy="1673811"/>
           </a:xfrm>
           <a:prstGeom prst="bentConnector3">
             <a:avLst>
@@ -3808,11 +3804,11 @@
         <p:spPr>
           <a:xfrm>
             <a:off x="3611527" y="5080429"/>
-            <a:ext cx="174466" cy="304353"/>
+            <a:ext cx="420940" cy="1073997"/>
           </a:xfrm>
           <a:prstGeom prst="bentConnector3">
             <a:avLst>
-              <a:gd name="adj1" fmla="val 50000"/>
+              <a:gd name="adj1" fmla="val 19908"/>
             </a:avLst>
           </a:prstGeom>
           <a:ln>
@@ -3848,7 +3844,7 @@
         </p:nvSpPr>
         <p:spPr>
           <a:xfrm>
-            <a:off x="6916678" y="4631931"/>
+            <a:off x="6217250" y="6398706"/>
             <a:ext cx="1039580" cy="300082"/>
           </a:xfrm>
           <a:prstGeom prst="rect">
@@ -3888,7 +3884,7 @@
         </p:nvSpPr>
         <p:spPr>
           <a:xfrm>
-            <a:off x="6916679" y="4934659"/>
+            <a:off x="7184874" y="5278045"/>
             <a:ext cx="748923" cy="300082"/>
           </a:xfrm>
           <a:prstGeom prst="rect">
@@ -3928,7 +3924,7 @@
         </p:nvSpPr>
         <p:spPr>
           <a:xfrm>
-            <a:off x="6916678" y="5246410"/>
+            <a:off x="7323245" y="6102357"/>
             <a:ext cx="1607299" cy="300082"/>
           </a:xfrm>
           <a:prstGeom prst="rect">
@@ -4012,8 +4008,8 @@
         </p:nvSpPr>
         <p:spPr>
           <a:xfrm>
-            <a:off x="3801446" y="5820023"/>
-            <a:ext cx="1459502" cy="300082"/>
+            <a:off x="6872417" y="4624955"/>
+            <a:ext cx="1373838" cy="300082"/>
           </a:xfrm>
           <a:prstGeom prst="rect">
             <a:avLst/>
@@ -4033,7 +4029,7 @@
           <a:p>
             <a:r>
               <a:rPr lang="en-US" sz="1350" dirty="0"/>
-              <a:t>40-Chemotherapy</a:t>
+              <a:t>40-Chemo + Port</a:t>
             </a:r>
           </a:p>
         </p:txBody>
@@ -4052,7 +4048,7 @@
         </p:nvSpPr>
         <p:spPr>
           <a:xfrm>
-            <a:off x="6916678" y="5542759"/>
+            <a:off x="7323245" y="6398706"/>
             <a:ext cx="863121" cy="300082"/>
           </a:xfrm>
           <a:prstGeom prst="rect">
@@ -4182,56 +4178,11 @@
         </p:nvCxnSpPr>
         <p:spPr>
           <a:xfrm flipV="1">
-            <a:off x="3270154" y="1911723"/>
-            <a:ext cx="866829" cy="758976"/>
+            <a:off x="3270154" y="1912476"/>
+            <a:ext cx="866829" cy="758223"/>
           </a:xfrm>
           <a:prstGeom prst="straightConnector1">
             <a:avLst/>
-          </a:prstGeom>
-          <a:ln>
-            <a:tailEnd type="triangle"/>
-          </a:ln>
-        </p:spPr>
-        <p:style>
-          <a:lnRef idx="1">
-            <a:schemeClr val="accent1"/>
-          </a:lnRef>
-          <a:fillRef idx="0">
-            <a:schemeClr val="accent1"/>
-          </a:fillRef>
-          <a:effectRef idx="0">
-            <a:schemeClr val="accent1"/>
-          </a:effectRef>
-          <a:fontRef idx="minor">
-            <a:schemeClr val="tx1"/>
-          </a:fontRef>
-        </p:style>
-      </p:cxnSp>
-      <p:cxnSp>
-        <p:nvCxnSpPr>
-          <p:cNvPr id="45" name="Connector: Elbow 44">
-            <a:extLst>
-              <a:ext uri="{FF2B5EF4-FFF2-40B4-BE49-F238E27FC236}">
-                <a16:creationId xmlns:a16="http://schemas.microsoft.com/office/drawing/2014/main" id="{CB71A611-3A61-496E-AACA-76F0C2076F1E}"/>
-              </a:ext>
-            </a:extLst>
-          </p:cNvPr>
-          <p:cNvCxnSpPr>
-            <a:cxnSpLocks/>
-            <a:stCxn id="16" idx="3"/>
-            <a:endCxn id="18" idx="1"/>
-          </p:cNvCxnSpPr>
-          <p:nvPr/>
-        </p:nvCxnSpPr>
-        <p:spPr>
-          <a:xfrm flipV="1">
-            <a:off x="5276401" y="3388262"/>
-            <a:ext cx="1015137" cy="1996520"/>
-          </a:xfrm>
-          <a:prstGeom prst="bentConnector3">
-            <a:avLst>
-              <a:gd name="adj1" fmla="val 64547"/>
-            </a:avLst>
           </a:prstGeom>
           <a:ln>
             <a:tailEnd type="triangle"/>
@@ -4342,7 +4293,7 @@
         </p:nvSpPr>
         <p:spPr>
           <a:xfrm>
-            <a:off x="4527449" y="208450"/>
+            <a:off x="4314018" y="130659"/>
             <a:ext cx="927305" cy="300082"/>
           </a:xfrm>
           <a:prstGeom prst="rect">
@@ -4380,7 +4331,7 @@
         </p:nvSpPr>
         <p:spPr>
           <a:xfrm>
-            <a:off x="7413092" y="3238221"/>
+            <a:off x="6848468" y="2469741"/>
             <a:ext cx="1421736" cy="300082"/>
           </a:xfrm>
           <a:prstGeom prst="rect">
@@ -4394,14 +4345,18 @@
           </a:ln>
         </p:spPr>
         <p:txBody>
-          <a:bodyPr wrap="none" rtlCol="0">
+          <a:bodyPr wrap="square" rtlCol="0">
             <a:spAutoFit/>
           </a:bodyPr>
           <a:lstStyle/>
           <a:p>
             <a:r>
+              <a:rPr lang="en-US" sz="1350"/>
+              <a:t>23-Feeding </a:t>
+            </a:r>
+            <a:r>
               <a:rPr lang="en-US" sz="1350" dirty="0"/>
-              <a:t>XX-Feeding Tubes</a:t>
+              <a:t>Tubes</a:t>
             </a:r>
           </a:p>
         </p:txBody>
@@ -4593,8 +4548,8 @@
         </p:nvCxnSpPr>
         <p:spPr>
           <a:xfrm flipV="1">
-            <a:off x="4777671" y="2061764"/>
-            <a:ext cx="0" cy="2254177"/>
+            <a:off x="4777670" y="2062517"/>
+            <a:ext cx="1" cy="1194060"/>
           </a:xfrm>
           <a:prstGeom prst="straightConnector1">
             <a:avLst/>
@@ -4637,7 +4592,7 @@
         <p:spPr>
           <a:xfrm flipV="1">
             <a:off x="4777671" y="1451771"/>
-            <a:ext cx="1" cy="309911"/>
+            <a:ext cx="1" cy="310664"/>
           </a:xfrm>
           <a:prstGeom prst="straightConnector1">
             <a:avLst/>
@@ -4663,29 +4618,28 @@
       </p:cxnSp>
       <p:cxnSp>
         <p:nvCxnSpPr>
-          <p:cNvPr id="127" name="Straight Arrow Connector 126">
+          <p:cNvPr id="55" name="Connector: Elbow 49">
             <a:extLst>
               <a:ext uri="{FF2B5EF4-FFF2-40B4-BE49-F238E27FC236}">
-                <a16:creationId xmlns:a16="http://schemas.microsoft.com/office/drawing/2014/main" id="{752872E6-36F0-4A67-81A0-DBFE4995C251}"/>
+                <a16:creationId xmlns:a16="http://schemas.microsoft.com/office/drawing/2014/main" id="{2F7B8DC7-B318-4BE7-BDAA-2AEE267AE932}"/>
               </a:ext>
             </a:extLst>
           </p:cNvPr>
           <p:cNvCxnSpPr>
-            <a:stCxn id="16" idx="2"/>
-            <a:endCxn id="46" idx="0"/>
+            <a:cxnSpLocks/>
+            <a:stCxn id="78" idx="2"/>
           </p:cNvCxnSpPr>
           <p:nvPr/>
         </p:nvCxnSpPr>
         <p:spPr>
-          <a:xfrm>
-            <a:off x="4531197" y="5534823"/>
-            <a:ext cx="0" cy="285200"/>
+          <a:xfrm flipH="1">
+            <a:off x="6720907" y="2769823"/>
+            <a:ext cx="838429" cy="903419"/>
           </a:xfrm>
           <a:prstGeom prst="straightConnector1">
             <a:avLst/>
           </a:prstGeom>
           <a:ln>
-            <a:headEnd type="triangle"/>
             <a:tailEnd type="triangle"/>
           </a:ln>
         </p:spPr>
@@ -4706,26 +4660,373 @@
       </p:cxnSp>
       <p:cxnSp>
         <p:nvCxnSpPr>
-          <p:cNvPr id="128" name="Straight Arrow Connector 127">
+          <p:cNvPr id="58" name="Connector: Elbow 49">
             <a:extLst>
               <a:ext uri="{FF2B5EF4-FFF2-40B4-BE49-F238E27FC236}">
-                <a16:creationId xmlns:a16="http://schemas.microsoft.com/office/drawing/2014/main" id="{116FD506-76CB-4080-B905-8197F7E61DEB}"/>
+                <a16:creationId xmlns:a16="http://schemas.microsoft.com/office/drawing/2014/main" id="{6732E7AE-761C-44AB-8F06-8D4B5D3E12A4}"/>
               </a:ext>
             </a:extLst>
           </p:cNvPr>
-          <p:cNvCxnSpPr/>
+          <p:cNvCxnSpPr>
+            <a:cxnSpLocks/>
+            <a:stCxn id="78" idx="2"/>
+            <a:endCxn id="20" idx="0"/>
+          </p:cNvCxnSpPr>
           <p:nvPr/>
         </p:nvCxnSpPr>
         <p:spPr>
           <a:xfrm>
-            <a:off x="4518208" y="6120105"/>
-            <a:ext cx="9241" cy="285200"/>
+            <a:off x="7559336" y="2769823"/>
+            <a:ext cx="648383" cy="917734"/>
           </a:xfrm>
           <a:prstGeom prst="straightConnector1">
             <a:avLst/>
           </a:prstGeom>
           <a:ln>
-            <a:headEnd type="triangle"/>
+            <a:tailEnd type="triangle"/>
+          </a:ln>
+        </p:spPr>
+        <p:style>
+          <a:lnRef idx="1">
+            <a:schemeClr val="accent1"/>
+          </a:lnRef>
+          <a:fillRef idx="0">
+            <a:schemeClr val="accent1"/>
+          </a:fillRef>
+          <a:effectRef idx="0">
+            <a:schemeClr val="accent1"/>
+          </a:effectRef>
+          <a:fontRef idx="minor">
+            <a:schemeClr val="tx1"/>
+          </a:fontRef>
+        </p:style>
+      </p:cxnSp>
+      <p:cxnSp>
+        <p:nvCxnSpPr>
+          <p:cNvPr id="80" name="Connector: Elbow 49">
+            <a:extLst>
+              <a:ext uri="{FF2B5EF4-FFF2-40B4-BE49-F238E27FC236}">
+                <a16:creationId xmlns:a16="http://schemas.microsoft.com/office/drawing/2014/main" id="{5525CAD1-904C-404C-8A02-6861441E21B3}"/>
+              </a:ext>
+            </a:extLst>
+          </p:cNvPr>
+          <p:cNvCxnSpPr>
+            <a:cxnSpLocks/>
+            <a:stCxn id="16" idx="3"/>
+            <a:endCxn id="46" idx="1"/>
+          </p:cNvCxnSpPr>
+          <p:nvPr/>
+        </p:nvCxnSpPr>
+        <p:spPr>
+          <a:xfrm flipV="1">
+            <a:off x="5522875" y="4774996"/>
+            <a:ext cx="1349542" cy="1379430"/>
+          </a:xfrm>
+          <a:prstGeom prst="straightConnector1">
+            <a:avLst/>
+          </a:prstGeom>
+          <a:ln>
+            <a:tailEnd type="triangle"/>
+          </a:ln>
+        </p:spPr>
+        <p:style>
+          <a:lnRef idx="1">
+            <a:schemeClr val="accent1"/>
+          </a:lnRef>
+          <a:fillRef idx="0">
+            <a:schemeClr val="accent1"/>
+          </a:fillRef>
+          <a:effectRef idx="0">
+            <a:schemeClr val="accent1"/>
+          </a:effectRef>
+          <a:fontRef idx="minor">
+            <a:schemeClr val="tx1"/>
+          </a:fontRef>
+        </p:style>
+      </p:cxnSp>
+      <p:cxnSp>
+        <p:nvCxnSpPr>
+          <p:cNvPr id="85" name="Connector: Elbow 49">
+            <a:extLst>
+              <a:ext uri="{FF2B5EF4-FFF2-40B4-BE49-F238E27FC236}">
+                <a16:creationId xmlns:a16="http://schemas.microsoft.com/office/drawing/2014/main" id="{D5BCF943-6E3C-48D7-BA42-513BE91CEA7B}"/>
+              </a:ext>
+            </a:extLst>
+          </p:cNvPr>
+          <p:cNvCxnSpPr>
+            <a:cxnSpLocks/>
+            <a:stCxn id="19" idx="2"/>
+            <a:endCxn id="46" idx="0"/>
+          </p:cNvCxnSpPr>
+          <p:nvPr/>
+        </p:nvCxnSpPr>
+        <p:spPr>
+          <a:xfrm>
+            <a:off x="6734833" y="3971865"/>
+            <a:ext cx="824503" cy="653090"/>
+          </a:xfrm>
+          <a:prstGeom prst="straightConnector1">
+            <a:avLst/>
+          </a:prstGeom>
+          <a:ln>
+            <a:tailEnd type="triangle"/>
+          </a:ln>
+        </p:spPr>
+        <p:style>
+          <a:lnRef idx="1">
+            <a:schemeClr val="accent1"/>
+          </a:lnRef>
+          <a:fillRef idx="0">
+            <a:schemeClr val="accent1"/>
+          </a:fillRef>
+          <a:effectRef idx="0">
+            <a:schemeClr val="accent1"/>
+          </a:effectRef>
+          <a:fontRef idx="minor">
+            <a:schemeClr val="tx1"/>
+          </a:fontRef>
+        </p:style>
+      </p:cxnSp>
+      <p:cxnSp>
+        <p:nvCxnSpPr>
+          <p:cNvPr id="86" name="Connector: Elbow 49">
+            <a:extLst>
+              <a:ext uri="{FF2B5EF4-FFF2-40B4-BE49-F238E27FC236}">
+                <a16:creationId xmlns:a16="http://schemas.microsoft.com/office/drawing/2014/main" id="{54CDEDB6-5B4A-40F4-9BC7-DF866B82CBD0}"/>
+              </a:ext>
+            </a:extLst>
+          </p:cNvPr>
+          <p:cNvCxnSpPr>
+            <a:cxnSpLocks/>
+            <a:stCxn id="20" idx="2"/>
+            <a:endCxn id="46" idx="0"/>
+          </p:cNvCxnSpPr>
+          <p:nvPr/>
+        </p:nvCxnSpPr>
+        <p:spPr>
+          <a:xfrm flipH="1">
+            <a:off x="7559336" y="3987639"/>
+            <a:ext cx="648383" cy="637316"/>
+          </a:xfrm>
+          <a:prstGeom prst="straightConnector1">
+            <a:avLst/>
+          </a:prstGeom>
+          <a:ln>
+            <a:tailEnd type="triangle"/>
+          </a:ln>
+        </p:spPr>
+        <p:style>
+          <a:lnRef idx="1">
+            <a:schemeClr val="accent1"/>
+          </a:lnRef>
+          <a:fillRef idx="0">
+            <a:schemeClr val="accent1"/>
+          </a:fillRef>
+          <a:effectRef idx="0">
+            <a:schemeClr val="accent1"/>
+          </a:effectRef>
+          <a:fontRef idx="minor">
+            <a:schemeClr val="tx1"/>
+          </a:fontRef>
+        </p:style>
+      </p:cxnSp>
+      <p:cxnSp>
+        <p:nvCxnSpPr>
+          <p:cNvPr id="90" name="Straight Arrow Connector 89">
+            <a:extLst>
+              <a:ext uri="{FF2B5EF4-FFF2-40B4-BE49-F238E27FC236}">
+                <a16:creationId xmlns:a16="http://schemas.microsoft.com/office/drawing/2014/main" id="{5EFEDAFA-9066-446D-B751-F88AF3DA7A64}"/>
+              </a:ext>
+            </a:extLst>
+          </p:cNvPr>
+          <p:cNvCxnSpPr>
+            <a:cxnSpLocks/>
+            <a:stCxn id="13" idx="3"/>
+            <a:endCxn id="11" idx="1"/>
+          </p:cNvCxnSpPr>
+          <p:nvPr/>
+        </p:nvCxnSpPr>
+        <p:spPr>
+          <a:xfrm>
+            <a:off x="5274474" y="1301730"/>
+            <a:ext cx="702303" cy="610746"/>
+          </a:xfrm>
+          <a:prstGeom prst="straightConnector1">
+            <a:avLst/>
+          </a:prstGeom>
+          <a:ln>
+            <a:tailEnd type="triangle"/>
+          </a:ln>
+        </p:spPr>
+        <p:style>
+          <a:lnRef idx="1">
+            <a:schemeClr val="accent1"/>
+          </a:lnRef>
+          <a:fillRef idx="0">
+            <a:schemeClr val="accent1"/>
+          </a:fillRef>
+          <a:effectRef idx="0">
+            <a:schemeClr val="accent1"/>
+          </a:effectRef>
+          <a:fontRef idx="minor">
+            <a:schemeClr val="tx1"/>
+          </a:fontRef>
+        </p:style>
+      </p:cxnSp>
+      <p:cxnSp>
+        <p:nvCxnSpPr>
+          <p:cNvPr id="93" name="Straight Arrow Connector 92">
+            <a:extLst>
+              <a:ext uri="{FF2B5EF4-FFF2-40B4-BE49-F238E27FC236}">
+                <a16:creationId xmlns:a16="http://schemas.microsoft.com/office/drawing/2014/main" id="{D1370FF4-91CE-4C44-81C5-7C1D25696899}"/>
+              </a:ext>
+            </a:extLst>
+          </p:cNvPr>
+          <p:cNvCxnSpPr>
+            <a:cxnSpLocks/>
+            <a:stCxn id="10" idx="3"/>
+            <a:endCxn id="11" idx="1"/>
+          </p:cNvCxnSpPr>
+          <p:nvPr/>
+        </p:nvCxnSpPr>
+        <p:spPr>
+          <a:xfrm>
+            <a:off x="5418359" y="1912476"/>
+            <a:ext cx="558418" cy="0"/>
+          </a:xfrm>
+          <a:prstGeom prst="straightConnector1">
+            <a:avLst/>
+          </a:prstGeom>
+          <a:ln>
+            <a:tailEnd type="triangle"/>
+          </a:ln>
+        </p:spPr>
+        <p:style>
+          <a:lnRef idx="1">
+            <a:schemeClr val="accent1"/>
+          </a:lnRef>
+          <a:fillRef idx="0">
+            <a:schemeClr val="accent1"/>
+          </a:fillRef>
+          <a:effectRef idx="0">
+            <a:schemeClr val="accent1"/>
+          </a:effectRef>
+          <a:fontRef idx="minor">
+            <a:schemeClr val="tx1"/>
+          </a:fontRef>
+        </p:style>
+      </p:cxnSp>
+      <p:cxnSp>
+        <p:nvCxnSpPr>
+          <p:cNvPr id="99" name="Straight Arrow Connector 98">
+            <a:extLst>
+              <a:ext uri="{FF2B5EF4-FFF2-40B4-BE49-F238E27FC236}">
+                <a16:creationId xmlns:a16="http://schemas.microsoft.com/office/drawing/2014/main" id="{699358D8-3062-4E90-87CF-412C51E13B37}"/>
+              </a:ext>
+            </a:extLst>
+          </p:cNvPr>
+          <p:cNvCxnSpPr>
+            <a:cxnSpLocks/>
+            <a:stCxn id="11" idx="3"/>
+            <a:endCxn id="18" idx="1"/>
+          </p:cNvCxnSpPr>
+          <p:nvPr/>
+        </p:nvCxnSpPr>
+        <p:spPr>
+          <a:xfrm>
+            <a:off x="6959034" y="1912476"/>
+            <a:ext cx="258687" cy="0"/>
+          </a:xfrm>
+          <a:prstGeom prst="straightConnector1">
+            <a:avLst/>
+          </a:prstGeom>
+          <a:ln>
+            <a:tailEnd type="triangle"/>
+          </a:ln>
+        </p:spPr>
+        <p:style>
+          <a:lnRef idx="1">
+            <a:schemeClr val="accent1"/>
+          </a:lnRef>
+          <a:fillRef idx="0">
+            <a:schemeClr val="accent1"/>
+          </a:fillRef>
+          <a:effectRef idx="0">
+            <a:schemeClr val="accent1"/>
+          </a:effectRef>
+          <a:fontRef idx="minor">
+            <a:schemeClr val="tx1"/>
+          </a:fontRef>
+        </p:style>
+      </p:cxnSp>
+      <p:cxnSp>
+        <p:nvCxnSpPr>
+          <p:cNvPr id="105" name="Connector: Elbow 49">
+            <a:extLst>
+              <a:ext uri="{FF2B5EF4-FFF2-40B4-BE49-F238E27FC236}">
+                <a16:creationId xmlns:a16="http://schemas.microsoft.com/office/drawing/2014/main" id="{D145F38D-B827-4046-A8FB-3BB229F306FC}"/>
+              </a:ext>
+            </a:extLst>
+          </p:cNvPr>
+          <p:cNvCxnSpPr>
+            <a:cxnSpLocks/>
+            <a:stCxn id="18" idx="2"/>
+            <a:endCxn id="78" idx="0"/>
+          </p:cNvCxnSpPr>
+          <p:nvPr/>
+        </p:nvCxnSpPr>
+        <p:spPr>
+          <a:xfrm flipH="1">
+            <a:off x="7559336" y="2062517"/>
+            <a:ext cx="242905" cy="407224"/>
+          </a:xfrm>
+          <a:prstGeom prst="straightConnector1">
+            <a:avLst/>
+          </a:prstGeom>
+          <a:ln>
+            <a:tailEnd type="triangle"/>
+          </a:ln>
+        </p:spPr>
+        <p:style>
+          <a:lnRef idx="1">
+            <a:schemeClr val="accent1"/>
+          </a:lnRef>
+          <a:fillRef idx="0">
+            <a:schemeClr val="accent1"/>
+          </a:fillRef>
+          <a:effectRef idx="0">
+            <a:schemeClr val="accent1"/>
+          </a:effectRef>
+          <a:fontRef idx="minor">
+            <a:schemeClr val="tx1"/>
+          </a:fontRef>
+        </p:style>
+      </p:cxnSp>
+      <p:cxnSp>
+        <p:nvCxnSpPr>
+          <p:cNvPr id="106" name="Connector: Elbow 49">
+            <a:extLst>
+              <a:ext uri="{FF2B5EF4-FFF2-40B4-BE49-F238E27FC236}">
+                <a16:creationId xmlns:a16="http://schemas.microsoft.com/office/drawing/2014/main" id="{F87D9B36-E06E-44C6-B627-16AFAEEEA140}"/>
+              </a:ext>
+            </a:extLst>
+          </p:cNvPr>
+          <p:cNvCxnSpPr>
+            <a:cxnSpLocks/>
+            <a:stCxn id="16" idx="3"/>
+            <a:endCxn id="103" idx="1"/>
+          </p:cNvCxnSpPr>
+          <p:nvPr/>
+        </p:nvCxnSpPr>
+        <p:spPr>
+          <a:xfrm flipV="1">
+            <a:off x="5522875" y="5428086"/>
+            <a:ext cx="1661999" cy="726340"/>
+          </a:xfrm>
+          <a:prstGeom prst="straightConnector1">
+            <a:avLst/>
+          </a:prstGeom>
+          <a:ln>
             <a:tailEnd type="triangle"/>
           </a:ln>
         </p:spPr>

--- a/plan_overview.pptx
+++ b/plan_overview.pptx
@@ -243,7 +243,7 @@
           <a:p>
             <a:fld id="{320965FB-FE1C-4DA5-BFA1-80A1042A565F}" type="datetimeFigureOut">
               <a:rPr lang="en-US" smtClean="0"/>
-              <a:t>3/24/2022</a:t>
+              <a:t>4/6/2022</a:t>
             </a:fld>
             <a:endParaRPr lang="en-US"/>
           </a:p>
@@ -413,7 +413,7 @@
           <a:p>
             <a:fld id="{320965FB-FE1C-4DA5-BFA1-80A1042A565F}" type="datetimeFigureOut">
               <a:rPr lang="en-US" smtClean="0"/>
-              <a:t>3/24/2022</a:t>
+              <a:t>4/6/2022</a:t>
             </a:fld>
             <a:endParaRPr lang="en-US"/>
           </a:p>
@@ -593,7 +593,7 @@
           <a:p>
             <a:fld id="{320965FB-FE1C-4DA5-BFA1-80A1042A565F}" type="datetimeFigureOut">
               <a:rPr lang="en-US" smtClean="0"/>
-              <a:t>3/24/2022</a:t>
+              <a:t>4/6/2022</a:t>
             </a:fld>
             <a:endParaRPr lang="en-US"/>
           </a:p>
@@ -763,7 +763,7 @@
           <a:p>
             <a:fld id="{320965FB-FE1C-4DA5-BFA1-80A1042A565F}" type="datetimeFigureOut">
               <a:rPr lang="en-US" smtClean="0"/>
-              <a:t>3/24/2022</a:t>
+              <a:t>4/6/2022</a:t>
             </a:fld>
             <a:endParaRPr lang="en-US"/>
           </a:p>
@@ -1007,7 +1007,7 @@
           <a:p>
             <a:fld id="{320965FB-FE1C-4DA5-BFA1-80A1042A565F}" type="datetimeFigureOut">
               <a:rPr lang="en-US" smtClean="0"/>
-              <a:t>3/24/2022</a:t>
+              <a:t>4/6/2022</a:t>
             </a:fld>
             <a:endParaRPr lang="en-US"/>
           </a:p>
@@ -1239,7 +1239,7 @@
           <a:p>
             <a:fld id="{320965FB-FE1C-4DA5-BFA1-80A1042A565F}" type="datetimeFigureOut">
               <a:rPr lang="en-US" smtClean="0"/>
-              <a:t>3/24/2022</a:t>
+              <a:t>4/6/2022</a:t>
             </a:fld>
             <a:endParaRPr lang="en-US"/>
           </a:p>
@@ -1606,7 +1606,7 @@
           <a:p>
             <a:fld id="{320965FB-FE1C-4DA5-BFA1-80A1042A565F}" type="datetimeFigureOut">
               <a:rPr lang="en-US" smtClean="0"/>
-              <a:t>3/24/2022</a:t>
+              <a:t>4/6/2022</a:t>
             </a:fld>
             <a:endParaRPr lang="en-US"/>
           </a:p>
@@ -1724,7 +1724,7 @@
           <a:p>
             <a:fld id="{320965FB-FE1C-4DA5-BFA1-80A1042A565F}" type="datetimeFigureOut">
               <a:rPr lang="en-US" smtClean="0"/>
-              <a:t>3/24/2022</a:t>
+              <a:t>4/6/2022</a:t>
             </a:fld>
             <a:endParaRPr lang="en-US"/>
           </a:p>
@@ -1819,7 +1819,7 @@
           <a:p>
             <a:fld id="{320965FB-FE1C-4DA5-BFA1-80A1042A565F}" type="datetimeFigureOut">
               <a:rPr lang="en-US" smtClean="0"/>
-              <a:t>3/24/2022</a:t>
+              <a:t>4/6/2022</a:t>
             </a:fld>
             <a:endParaRPr lang="en-US"/>
           </a:p>
@@ -2096,7 +2096,7 @@
           <a:p>
             <a:fld id="{320965FB-FE1C-4DA5-BFA1-80A1042A565F}" type="datetimeFigureOut">
               <a:rPr lang="en-US" smtClean="0"/>
-              <a:t>3/24/2022</a:t>
+              <a:t>4/6/2022</a:t>
             </a:fld>
             <a:endParaRPr lang="en-US"/>
           </a:p>
@@ -2353,7 +2353,7 @@
           <a:p>
             <a:fld id="{320965FB-FE1C-4DA5-BFA1-80A1042A565F}" type="datetimeFigureOut">
               <a:rPr lang="en-US" smtClean="0"/>
-              <a:t>3/24/2022</a:t>
+              <a:t>4/6/2022</a:t>
             </a:fld>
             <a:endParaRPr lang="en-US"/>
           </a:p>
@@ -2566,7 +2566,7 @@
           <a:p>
             <a:fld id="{320965FB-FE1C-4DA5-BFA1-80A1042A565F}" type="datetimeFigureOut">
               <a:rPr lang="en-US" smtClean="0"/>
-              <a:t>3/24/2022</a:t>
+              <a:t>4/6/2022</a:t>
             </a:fld>
             <a:endParaRPr lang="en-US"/>
           </a:p>
@@ -3605,7 +3605,7 @@
           <a:p>
             <a:r>
               <a:rPr lang="en-US" sz="1350" dirty="0"/>
-              <a:t>36-Jejunostomy</a:t>
+              <a:t>28-Jejunostomy</a:t>
             </a:r>
           </a:p>
         </p:txBody>
@@ -5045,6 +5045,46 @@
           </a:fontRef>
         </p:style>
       </p:cxnSp>
+      <p:sp>
+        <p:nvSpPr>
+          <p:cNvPr id="52" name="TextBox 51">
+            <a:extLst>
+              <a:ext uri="{FF2B5EF4-FFF2-40B4-BE49-F238E27FC236}">
+                <a16:creationId xmlns:a16="http://schemas.microsoft.com/office/drawing/2014/main" id="{3A8BE531-525F-46EF-A4E2-5E1DC7EE63F0}"/>
+              </a:ext>
+            </a:extLst>
+          </p:cNvPr>
+          <p:cNvSpPr txBox="1"/>
+          <p:nvPr/>
+        </p:nvSpPr>
+        <p:spPr>
+          <a:xfrm>
+            <a:off x="7323244" y="5836571"/>
+            <a:ext cx="1089465" cy="300082"/>
+          </a:xfrm>
+          <a:prstGeom prst="rect">
+            <a:avLst/>
+          </a:prstGeom>
+          <a:noFill/>
+          <a:ln>
+            <a:solidFill>
+              <a:schemeClr val="accent1"/>
+            </a:solidFill>
+          </a:ln>
+        </p:spPr>
+        <p:txBody>
+          <a:bodyPr wrap="none" rtlCol="0">
+            <a:spAutoFit/>
+          </a:bodyPr>
+          <a:lstStyle/>
+          <a:p>
+            <a:r>
+              <a:rPr lang="en-US" sz="1350" dirty="0"/>
+              <a:t>Clinical Trials</a:t>
+            </a:r>
+          </a:p>
+        </p:txBody>
+      </p:sp>
     </p:spTree>
     <p:extLst>
       <p:ext uri="{BB962C8B-B14F-4D97-AF65-F5344CB8AC3E}">

--- a/plan_overview.pptx
+++ b/plan_overview.pptx
@@ -243,7 +243,7 @@
           <a:p>
             <a:fld id="{320965FB-FE1C-4DA5-BFA1-80A1042A565F}" type="datetimeFigureOut">
               <a:rPr lang="en-US" smtClean="0"/>
-              <a:t>4/6/2022</a:t>
+              <a:t>4/7/2022</a:t>
             </a:fld>
             <a:endParaRPr lang="en-US"/>
           </a:p>
@@ -413,7 +413,7 @@
           <a:p>
             <a:fld id="{320965FB-FE1C-4DA5-BFA1-80A1042A565F}" type="datetimeFigureOut">
               <a:rPr lang="en-US" smtClean="0"/>
-              <a:t>4/6/2022</a:t>
+              <a:t>4/7/2022</a:t>
             </a:fld>
             <a:endParaRPr lang="en-US"/>
           </a:p>
@@ -593,7 +593,7 @@
           <a:p>
             <a:fld id="{320965FB-FE1C-4DA5-BFA1-80A1042A565F}" type="datetimeFigureOut">
               <a:rPr lang="en-US" smtClean="0"/>
-              <a:t>4/6/2022</a:t>
+              <a:t>4/7/2022</a:t>
             </a:fld>
             <a:endParaRPr lang="en-US"/>
           </a:p>
@@ -763,7 +763,7 @@
           <a:p>
             <a:fld id="{320965FB-FE1C-4DA5-BFA1-80A1042A565F}" type="datetimeFigureOut">
               <a:rPr lang="en-US" smtClean="0"/>
-              <a:t>4/6/2022</a:t>
+              <a:t>4/7/2022</a:t>
             </a:fld>
             <a:endParaRPr lang="en-US"/>
           </a:p>
@@ -1007,7 +1007,7 @@
           <a:p>
             <a:fld id="{320965FB-FE1C-4DA5-BFA1-80A1042A565F}" type="datetimeFigureOut">
               <a:rPr lang="en-US" smtClean="0"/>
-              <a:t>4/6/2022</a:t>
+              <a:t>4/7/2022</a:t>
             </a:fld>
             <a:endParaRPr lang="en-US"/>
           </a:p>
@@ -1239,7 +1239,7 @@
           <a:p>
             <a:fld id="{320965FB-FE1C-4DA5-BFA1-80A1042A565F}" type="datetimeFigureOut">
               <a:rPr lang="en-US" smtClean="0"/>
-              <a:t>4/6/2022</a:t>
+              <a:t>4/7/2022</a:t>
             </a:fld>
             <a:endParaRPr lang="en-US"/>
           </a:p>
@@ -1606,7 +1606,7 @@
           <a:p>
             <a:fld id="{320965FB-FE1C-4DA5-BFA1-80A1042A565F}" type="datetimeFigureOut">
               <a:rPr lang="en-US" smtClean="0"/>
-              <a:t>4/6/2022</a:t>
+              <a:t>4/7/2022</a:t>
             </a:fld>
             <a:endParaRPr lang="en-US"/>
           </a:p>
@@ -1724,7 +1724,7 @@
           <a:p>
             <a:fld id="{320965FB-FE1C-4DA5-BFA1-80A1042A565F}" type="datetimeFigureOut">
               <a:rPr lang="en-US" smtClean="0"/>
-              <a:t>4/6/2022</a:t>
+              <a:t>4/7/2022</a:t>
             </a:fld>
             <a:endParaRPr lang="en-US"/>
           </a:p>
@@ -1819,7 +1819,7 @@
           <a:p>
             <a:fld id="{320965FB-FE1C-4DA5-BFA1-80A1042A565F}" type="datetimeFigureOut">
               <a:rPr lang="en-US" smtClean="0"/>
-              <a:t>4/6/2022</a:t>
+              <a:t>4/7/2022</a:t>
             </a:fld>
             <a:endParaRPr lang="en-US"/>
           </a:p>
@@ -2096,7 +2096,7 @@
           <a:p>
             <a:fld id="{320965FB-FE1C-4DA5-BFA1-80A1042A565F}" type="datetimeFigureOut">
               <a:rPr lang="en-US" smtClean="0"/>
-              <a:t>4/6/2022</a:t>
+              <a:t>4/7/2022</a:t>
             </a:fld>
             <a:endParaRPr lang="en-US"/>
           </a:p>
@@ -2353,7 +2353,7 @@
           <a:p>
             <a:fld id="{320965FB-FE1C-4DA5-BFA1-80A1042A565F}" type="datetimeFigureOut">
               <a:rPr lang="en-US" smtClean="0"/>
-              <a:t>4/6/2022</a:t>
+              <a:t>4/7/2022</a:t>
             </a:fld>
             <a:endParaRPr lang="en-US"/>
           </a:p>
@@ -2566,7 +2566,7 @@
           <a:p>
             <a:fld id="{320965FB-FE1C-4DA5-BFA1-80A1042A565F}" type="datetimeFigureOut">
               <a:rPr lang="en-US" smtClean="0"/>
-              <a:t>4/6/2022</a:t>
+              <a:t>4/7/2022</a:t>
             </a:fld>
             <a:endParaRPr lang="en-US"/>
           </a:p>
@@ -3101,13 +3101,13 @@
           <a:p>
             <a:r>
               <a:rPr lang="en-US" sz="1350" dirty="0"/>
-              <a:t>- Non-obstructing</a:t>
+              <a:t>- Early Stage</a:t>
             </a:r>
           </a:p>
           <a:p>
             <a:r>
               <a:rPr lang="en-US" sz="1350" dirty="0"/>
-              <a:t>- Obstructing</a:t>
+              <a:t>- Advanced Stage</a:t>
             </a:r>
           </a:p>
         </p:txBody>
@@ -3127,7 +3127,7 @@
         <p:spPr>
           <a:xfrm>
             <a:off x="2181073" y="2366769"/>
-            <a:ext cx="1089081" cy="607859"/>
+            <a:ext cx="1089081" cy="453970"/>
           </a:xfrm>
           <a:prstGeom prst="rect">
             <a:avLst/>
@@ -3148,12 +3148,6 @@
             <a:r>
               <a:rPr lang="en-US" sz="1350" dirty="0"/>
               <a:t>06-Eso_Early</a:t>
-            </a:r>
-          </a:p>
-          <a:p>
-            <a:r>
-              <a:rPr lang="en-US" sz="1000" dirty="0"/>
-              <a:t>Non-Obstruct</a:t>
             </a:r>
           </a:p>
           <a:p>
@@ -3179,7 +3173,7 @@
         <p:spPr>
           <a:xfrm>
             <a:off x="2174274" y="4853444"/>
-            <a:ext cx="1437253" cy="453970"/>
+            <a:ext cx="1437253" cy="607859"/>
           </a:xfrm>
           <a:prstGeom prst="rect">
             <a:avLst/>
@@ -3205,7 +3199,14 @@
           <a:p>
             <a:r>
               <a:rPr lang="en-US" sz="1000" dirty="0"/>
-              <a:t>Obstructing</a:t>
+              <a:t>Locally Advanced</a:t>
+            </a:r>
+            <a:br>
+              <a:rPr lang="en-US" sz="1000" dirty="0"/>
+            </a:br>
+            <a:r>
+              <a:rPr lang="en-US" sz="1000" dirty="0"/>
+              <a:t>Metastatic</a:t>
             </a:r>
           </a:p>
         </p:txBody>
@@ -3505,7 +3506,7 @@
         <p:spPr>
           <a:xfrm>
             <a:off x="7217721" y="1762435"/>
-            <a:ext cx="1169039" cy="300082"/>
+            <a:ext cx="1564236" cy="300082"/>
           </a:xfrm>
           <a:prstGeom prst="rect">
             <a:avLst/>
@@ -3525,7 +3526,7 @@
           <a:p>
             <a:r>
               <a:rPr lang="en-US" sz="1350" dirty="0"/>
-              <a:t>22-Nutrition</a:t>
+              <a:t>22-NutritionEsoCa</a:t>
             </a:r>
           </a:p>
         </p:txBody>
@@ -3669,7 +3670,7 @@
         <p:spPr>
           <a:xfrm>
             <a:off x="1833477" y="4137863"/>
-            <a:ext cx="340797" cy="942566"/>
+            <a:ext cx="340797" cy="1019511"/>
           </a:xfrm>
           <a:prstGeom prst="bentConnector3">
             <a:avLst>
@@ -3713,8 +3714,8 @@
         </p:nvCxnSpPr>
         <p:spPr>
           <a:xfrm flipV="1">
-            <a:off x="1833477" y="2670699"/>
-            <a:ext cx="347596" cy="1467164"/>
+            <a:off x="1833477" y="2593754"/>
+            <a:ext cx="347596" cy="1544109"/>
           </a:xfrm>
           <a:prstGeom prst="bentConnector3">
             <a:avLst>
@@ -3759,7 +3760,7 @@
         <p:spPr>
           <a:xfrm flipV="1">
             <a:off x="3611527" y="3406618"/>
-            <a:ext cx="165292" cy="1673811"/>
+            <a:ext cx="165292" cy="1750756"/>
           </a:xfrm>
           <a:prstGeom prst="bentConnector3">
             <a:avLst>
@@ -3803,12 +3804,12 @@
         </p:nvCxnSpPr>
         <p:spPr>
           <a:xfrm>
-            <a:off x="3611527" y="5080429"/>
-            <a:ext cx="420940" cy="1073997"/>
+            <a:off x="3611527" y="5157374"/>
+            <a:ext cx="420940" cy="997052"/>
           </a:xfrm>
           <a:prstGeom prst="bentConnector3">
             <a:avLst>
-              <a:gd name="adj1" fmla="val 19908"/>
+              <a:gd name="adj1" fmla="val 50000"/>
             </a:avLst>
           </a:prstGeom>
           <a:ln>
@@ -3967,8 +3968,8 @@
         </p:nvCxnSpPr>
         <p:spPr>
           <a:xfrm rot="16200000" flipH="1">
-            <a:off x="2058728" y="3641513"/>
-            <a:ext cx="1871963" cy="538191"/>
+            <a:off x="1981784" y="3564569"/>
+            <a:ext cx="2025851" cy="538190"/>
           </a:xfrm>
           <a:prstGeom prst="curvedConnector3">
             <a:avLst>
@@ -4179,7 +4180,7 @@
         <p:spPr>
           <a:xfrm flipV="1">
             <a:off x="3270154" y="1912476"/>
-            <a:ext cx="866829" cy="758223"/>
+            <a:ext cx="866829" cy="681278"/>
           </a:xfrm>
           <a:prstGeom prst="straightConnector1">
             <a:avLst/>
@@ -4331,8 +4332,8 @@
         </p:nvSpPr>
         <p:spPr>
           <a:xfrm>
-            <a:off x="6848468" y="2469741"/>
-            <a:ext cx="1421736" cy="300082"/>
+            <a:off x="6848467" y="2469741"/>
+            <a:ext cx="1564239" cy="300082"/>
           </a:xfrm>
           <a:prstGeom prst="rect">
             <a:avLst/>
@@ -4351,12 +4352,8 @@
           <a:lstStyle/>
           <a:p>
             <a:r>
-              <a:rPr lang="en-US" sz="1350"/>
-              <a:t>23-Feeding </a:t>
-            </a:r>
-            <a:r>
               <a:rPr lang="en-US" sz="1350" dirty="0"/>
-              <a:t>Tubes</a:t>
+              <a:t>23-Feeding_Tubes</a:t>
             </a:r>
           </a:p>
         </p:txBody>
@@ -4634,7 +4631,7 @@
         <p:spPr>
           <a:xfrm flipH="1">
             <a:off x="6720907" y="2769823"/>
-            <a:ext cx="838429" cy="903419"/>
+            <a:ext cx="909680" cy="903419"/>
           </a:xfrm>
           <a:prstGeom prst="straightConnector1">
             <a:avLst/>
@@ -4676,8 +4673,8 @@
         </p:nvCxnSpPr>
         <p:spPr>
           <a:xfrm>
-            <a:off x="7559336" y="2769823"/>
-            <a:ext cx="648383" cy="917734"/>
+            <a:off x="7630587" y="2769823"/>
+            <a:ext cx="577132" cy="917734"/>
           </a:xfrm>
           <a:prstGeom prst="straightConnector1">
             <a:avLst/>
@@ -4977,8 +4974,8 @@
         </p:nvCxnSpPr>
         <p:spPr>
           <a:xfrm flipH="1">
-            <a:off x="7559336" y="2062517"/>
-            <a:ext cx="242905" cy="407224"/>
+            <a:off x="7630587" y="2062517"/>
+            <a:ext cx="369252" cy="407224"/>
           </a:xfrm>
           <a:prstGeom prst="straightConnector1">
             <a:avLst/>
